--- a/ITI/TF/Volume1/media/Figure_10.4.9-1.pptx
+++ b/ITI/TF/Volume1/media/Figure_10.4.9-1.pptx
@@ -104,6 +104,11 @@
       </a:defRPr>
     </a:lvl9pPr>
   </p:defaultTextStyle>
+  <p:extLst>
+    <p:ext uri="{EFAFB233-063F-42B5-8137-9DF3F51BA10A}">
+      <p15:sldGuideLst xmlns:p15="http://schemas.microsoft.com/office/powerpoint/2012/main"/>
+    </p:ext>
+  </p:extLst>
 </p:presentation>
 </file>
 
@@ -254,7 +259,7 @@
           <a:p>
             <a:fld id="{DDDAF7E1-CB20-FF4F-B9D4-788B83E5E01A}" type="datetimeFigureOut">
               <a:rPr lang="en-US" smtClean="0"/>
-              <a:t>8/10/20</a:t>
+              <a:t>8/25/20</a:t>
             </a:fld>
             <a:endParaRPr lang="en-US"/>
           </a:p>
@@ -452,7 +457,7 @@
           <a:p>
             <a:fld id="{DDDAF7E1-CB20-FF4F-B9D4-788B83E5E01A}" type="datetimeFigureOut">
               <a:rPr lang="en-US" smtClean="0"/>
-              <a:t>8/10/20</a:t>
+              <a:t>8/25/20</a:t>
             </a:fld>
             <a:endParaRPr lang="en-US"/>
           </a:p>
@@ -660,7 +665,7 @@
           <a:p>
             <a:fld id="{DDDAF7E1-CB20-FF4F-B9D4-788B83E5E01A}" type="datetimeFigureOut">
               <a:rPr lang="en-US" smtClean="0"/>
-              <a:t>8/10/20</a:t>
+              <a:t>8/25/20</a:t>
             </a:fld>
             <a:endParaRPr lang="en-US"/>
           </a:p>
@@ -858,7 +863,7 @@
           <a:p>
             <a:fld id="{DDDAF7E1-CB20-FF4F-B9D4-788B83E5E01A}" type="datetimeFigureOut">
               <a:rPr lang="en-US" smtClean="0"/>
-              <a:t>8/10/20</a:t>
+              <a:t>8/25/20</a:t>
             </a:fld>
             <a:endParaRPr lang="en-US"/>
           </a:p>
@@ -1133,7 +1138,7 @@
           <a:p>
             <a:fld id="{DDDAF7E1-CB20-FF4F-B9D4-788B83E5E01A}" type="datetimeFigureOut">
               <a:rPr lang="en-US" smtClean="0"/>
-              <a:t>8/10/20</a:t>
+              <a:t>8/25/20</a:t>
             </a:fld>
             <a:endParaRPr lang="en-US"/>
           </a:p>
@@ -1398,7 +1403,7 @@
           <a:p>
             <a:fld id="{DDDAF7E1-CB20-FF4F-B9D4-788B83E5E01A}" type="datetimeFigureOut">
               <a:rPr lang="en-US" smtClean="0"/>
-              <a:t>8/10/20</a:t>
+              <a:t>8/25/20</a:t>
             </a:fld>
             <a:endParaRPr lang="en-US"/>
           </a:p>
@@ -1810,7 +1815,7 @@
           <a:p>
             <a:fld id="{DDDAF7E1-CB20-FF4F-B9D4-788B83E5E01A}" type="datetimeFigureOut">
               <a:rPr lang="en-US" smtClean="0"/>
-              <a:t>8/10/20</a:t>
+              <a:t>8/25/20</a:t>
             </a:fld>
             <a:endParaRPr lang="en-US"/>
           </a:p>
@@ -1951,7 +1956,7 @@
           <a:p>
             <a:fld id="{DDDAF7E1-CB20-FF4F-B9D4-788B83E5E01A}" type="datetimeFigureOut">
               <a:rPr lang="en-US" smtClean="0"/>
-              <a:t>8/10/20</a:t>
+              <a:t>8/25/20</a:t>
             </a:fld>
             <a:endParaRPr lang="en-US"/>
           </a:p>
@@ -2064,7 +2069,7 @@
           <a:p>
             <a:fld id="{DDDAF7E1-CB20-FF4F-B9D4-788B83E5E01A}" type="datetimeFigureOut">
               <a:rPr lang="en-US" smtClean="0"/>
-              <a:t>8/10/20</a:t>
+              <a:t>8/25/20</a:t>
             </a:fld>
             <a:endParaRPr lang="en-US"/>
           </a:p>
@@ -2375,7 +2380,7 @@
           <a:p>
             <a:fld id="{DDDAF7E1-CB20-FF4F-B9D4-788B83E5E01A}" type="datetimeFigureOut">
               <a:rPr lang="en-US" smtClean="0"/>
-              <a:t>8/10/20</a:t>
+              <a:t>8/25/20</a:t>
             </a:fld>
             <a:endParaRPr lang="en-US"/>
           </a:p>
@@ -2663,7 +2668,7 @@
           <a:p>
             <a:fld id="{DDDAF7E1-CB20-FF4F-B9D4-788B83E5E01A}" type="datetimeFigureOut">
               <a:rPr lang="en-US" smtClean="0"/>
-              <a:t>8/10/20</a:t>
+              <a:t>8/25/20</a:t>
             </a:fld>
             <a:endParaRPr lang="en-US"/>
           </a:p>
@@ -2904,7 +2909,7 @@
           <a:p>
             <a:fld id="{DDDAF7E1-CB20-FF4F-B9D4-788B83E5E01A}" type="datetimeFigureOut">
               <a:rPr lang="en-US" smtClean="0"/>
-              <a:t>8/10/20</a:t>
+              <a:t>8/25/20</a:t>
             </a:fld>
             <a:endParaRPr lang="en-US"/>
           </a:p>
@@ -3337,7 +3342,7 @@
         </p:nvSpPr>
         <p:spPr bwMode="auto">
           <a:xfrm>
-            <a:off x="933450" y="142875"/>
+            <a:off x="939917" y="147060"/>
             <a:ext cx="7010400" cy="6657975"/>
           </a:xfrm>
           <a:prstGeom prst="ellipse">
@@ -3502,7 +3507,7 @@
           </a:bodyPr>
           <a:lstStyle/>
           <a:p>
-            <a:endParaRPr lang="en-US"/>
+            <a:endParaRPr lang="en-US" dirty="0"/>
           </a:p>
         </p:txBody>
       </p:sp>
@@ -3619,7 +3624,7 @@
         </p:nvSpPr>
         <p:spPr bwMode="auto">
           <a:xfrm>
-            <a:off x="762000" y="3771900"/>
+            <a:off x="762000" y="3760749"/>
             <a:ext cx="1485900" cy="1790700"/>
           </a:xfrm>
           <a:prstGeom prst="rect">
@@ -3673,7 +3678,7 @@
         </p:nvSpPr>
         <p:spPr bwMode="auto">
           <a:xfrm>
-            <a:off x="742950" y="3762375"/>
+            <a:off x="709497" y="3609447"/>
             <a:ext cx="1257300" cy="457200"/>
           </a:xfrm>
           <a:prstGeom prst="rect">
@@ -3727,7 +3732,7 @@
               <a:buNone/>
               <a:tabLst/>
             </a:pPr>
-            <a:endParaRPr kumimoji="0" lang="fr-FR" altLang="en-US" sz="1200" b="0" i="1" u="none" strike="noStrike" cap="none" normalizeH="0" baseline="0">
+            <a:endParaRPr kumimoji="0" lang="fr-FR" altLang="en-US" sz="1200" b="0" i="1" u="none" strike="noStrike" cap="none" normalizeH="0" baseline="0" dirty="0">
               <a:ln>
                 <a:noFill/>
               </a:ln>
@@ -3757,7 +3762,7 @@
               <a:tabLst/>
             </a:pPr>
             <a:r>
-              <a:rPr kumimoji="0" lang="fr-FR" altLang="en-US" sz="1200" b="0" i="1" u="none" strike="noStrike" cap="none" normalizeH="0" baseline="0">
+              <a:rPr kumimoji="0" lang="fr-FR" altLang="en-US" sz="1200" b="0" i="1" u="none" strike="noStrike" cap="none" normalizeH="0" baseline="0" dirty="0">
                 <a:ln>
                   <a:noFill/>
                 </a:ln>
@@ -3770,7 +3775,7 @@
               </a:rPr>
               <a:t>XDS Document Source</a:t>
             </a:r>
-            <a:endParaRPr kumimoji="0" lang="fr-FR" altLang="en-US" sz="1800" b="0" i="0" u="none" strike="noStrike" cap="none" normalizeH="0" baseline="0">
+            <a:endParaRPr kumimoji="0" lang="fr-FR" altLang="en-US" sz="1800" b="0" i="0" u="none" strike="noStrike" cap="none" normalizeH="0" baseline="0" dirty="0">
               <a:ln>
                 <a:noFill/>
               </a:ln>
@@ -3901,7 +3906,7 @@
               <a:tabLst/>
             </a:pPr>
             <a:r>
-              <a:rPr kumimoji="0" lang="fr-FR" altLang="en-US" sz="1200" b="0" i="0" u="none" strike="noStrike" cap="none" normalizeH="0" baseline="0">
+              <a:rPr kumimoji="0" lang="fr-FR" altLang="en-US" sz="1200" b="0" i="0" u="none" strike="noStrike" cap="none" normalizeH="0" baseline="0" dirty="0">
                 <a:ln>
                   <a:noFill/>
                 </a:ln>
@@ -3912,9 +3917,23 @@
                 <a:latin typeface="Arial" panose="020B0604020202020204" pitchFamily="34" charset="0"/>
                 <a:ea typeface="Times New Roman" panose="02020603050405020304" pitchFamily="18" charset="0"/>
               </a:rPr>
-              <a:t>XDS Document Repository</a:t>
-            </a:r>
-            <a:endParaRPr kumimoji="0" lang="fr-FR" altLang="en-US" sz="1800" b="0" i="0" u="none" strike="noStrike" cap="none" normalizeH="0" baseline="0">
+              <a:t>XDS Document </a:t>
+            </a:r>
+            <a:r>
+              <a:rPr kumimoji="0" lang="fr-FR" altLang="en-US" sz="1200" b="0" i="0" u="none" strike="noStrike" cap="none" normalizeH="0" baseline="0" dirty="0" err="1">
+                <a:ln>
+                  <a:noFill/>
+                </a:ln>
+                <a:solidFill>
+                  <a:schemeClr val="tx1"/>
+                </a:solidFill>
+                <a:effectLst/>
+                <a:latin typeface="Arial" panose="020B0604020202020204" pitchFamily="34" charset="0"/>
+                <a:ea typeface="Times New Roman" panose="02020603050405020304" pitchFamily="18" charset="0"/>
+              </a:rPr>
+              <a:t>Repository</a:t>
+            </a:r>
+            <a:endParaRPr kumimoji="0" lang="fr-FR" altLang="en-US" sz="1800" b="0" i="0" u="none" strike="noStrike" cap="none" normalizeH="0" baseline="0" dirty="0">
               <a:ln>
                 <a:noFill/>
               </a:ln>
@@ -3943,8 +3962,8 @@
         </p:nvSpPr>
         <p:spPr bwMode="auto">
           <a:xfrm>
-            <a:off x="1790700" y="4514850"/>
-            <a:ext cx="2286000" cy="838200"/>
+            <a:off x="1790699" y="4601934"/>
+            <a:ext cx="2676525" cy="838200"/>
           </a:xfrm>
           <a:custGeom>
             <a:avLst/>
@@ -4048,7 +4067,7 @@
         </p:nvSpPr>
         <p:spPr bwMode="auto">
           <a:xfrm>
-            <a:off x="4238625" y="3514725"/>
+            <a:off x="4238625" y="3252586"/>
             <a:ext cx="866775" cy="390525"/>
           </a:xfrm>
           <a:prstGeom prst="rect">
@@ -4102,7 +4121,7 @@
               <a:buNone/>
               <a:tabLst/>
             </a:pPr>
-            <a:endParaRPr kumimoji="0" lang="de-DE" altLang="en-US" sz="1000" b="1" i="0" u="none" strike="noStrike" cap="none" normalizeH="0" baseline="0">
+            <a:endParaRPr kumimoji="0" lang="de-DE" altLang="en-US" sz="1000" b="1" i="0" u="none" strike="noStrike" cap="none" normalizeH="0" baseline="0" dirty="0">
               <a:ln>
                 <a:noFill/>
               </a:ln>
@@ -4132,7 +4151,7 @@
               <a:tabLst/>
             </a:pPr>
             <a:r>
-              <a:rPr kumimoji="0" lang="de-DE" altLang="en-US" sz="1000" b="1" i="0" u="none" strike="noStrike" cap="none" normalizeH="0" baseline="0">
+              <a:rPr kumimoji="0" lang="de-DE" altLang="en-US" sz="1000" b="1" i="0" u="none" strike="noStrike" cap="none" normalizeH="0" baseline="0" dirty="0" err="1">
                 <a:ln>
                   <a:noFill/>
                 </a:ln>
@@ -4143,9 +4162,23 @@
                 <a:latin typeface="Arial" panose="020B0604020202020204" pitchFamily="34" charset="0"/>
                 <a:ea typeface="Times New Roman" panose="02020603050405020304" pitchFamily="18" charset="0"/>
               </a:rPr>
-              <a:t>Dm=XAD</a:t>
-            </a:r>
-            <a:endParaRPr kumimoji="0" lang="de-DE" altLang="en-US" sz="1000" b="0" i="0" u="none" strike="noStrike" cap="none" normalizeH="0" baseline="0">
+              <a:t>Dm</a:t>
+            </a:r>
+            <a:r>
+              <a:rPr kumimoji="0" lang="de-DE" altLang="en-US" sz="1000" b="1" i="0" u="none" strike="noStrike" cap="none" normalizeH="0" baseline="0" dirty="0">
+                <a:ln>
+                  <a:noFill/>
+                </a:ln>
+                <a:solidFill>
+                  <a:schemeClr val="tx1"/>
+                </a:solidFill>
+                <a:effectLst/>
+                <a:latin typeface="Arial" panose="020B0604020202020204" pitchFamily="34" charset="0"/>
+                <a:ea typeface="Times New Roman" panose="02020603050405020304" pitchFamily="18" charset="0"/>
+              </a:rPr>
+              <a:t>=XAD</a:t>
+            </a:r>
+            <a:endParaRPr kumimoji="0" lang="de-DE" altLang="en-US" sz="1000" b="0" i="0" u="none" strike="noStrike" cap="none" normalizeH="0" baseline="0" dirty="0">
               <a:ln>
                 <a:noFill/>
               </a:ln>
@@ -4174,7 +4207,7 @@
               <a:tabLst/>
             </a:pPr>
             <a:r>
-              <a:rPr kumimoji="0" lang="de-DE" altLang="en-US" sz="1000" b="1" i="0" u="none" strike="noStrike" cap="none" normalizeH="0" baseline="0">
+              <a:rPr kumimoji="0" lang="de-DE" altLang="en-US" sz="1000" b="1" i="0" u="none" strike="noStrike" cap="none" normalizeH="0" baseline="0" dirty="0" err="1">
                 <a:ln>
                   <a:noFill/>
                 </a:ln>
@@ -4185,9 +4218,37 @@
                 <a:latin typeface="Arial" panose="020B0604020202020204" pitchFamily="34" charset="0"/>
                 <a:ea typeface="Times New Roman" panose="02020603050405020304" pitchFamily="18" charset="0"/>
               </a:rPr>
-              <a:t>Pid=Px</a:t>
-            </a:r>
-            <a:endParaRPr kumimoji="0" lang="de-DE" altLang="en-US" sz="1800" b="0" i="0" u="none" strike="noStrike" cap="none" normalizeH="0" baseline="0">
+              <a:t>Pid</a:t>
+            </a:r>
+            <a:r>
+              <a:rPr kumimoji="0" lang="de-DE" altLang="en-US" sz="1000" b="1" i="0" u="none" strike="noStrike" cap="none" normalizeH="0" baseline="0" dirty="0">
+                <a:ln>
+                  <a:noFill/>
+                </a:ln>
+                <a:solidFill>
+                  <a:schemeClr val="tx1"/>
+                </a:solidFill>
+                <a:effectLst/>
+                <a:latin typeface="Arial" panose="020B0604020202020204" pitchFamily="34" charset="0"/>
+                <a:ea typeface="Times New Roman" panose="02020603050405020304" pitchFamily="18" charset="0"/>
+              </a:rPr>
+              <a:t>=</a:t>
+            </a:r>
+            <a:r>
+              <a:rPr kumimoji="0" lang="de-DE" altLang="en-US" sz="1000" b="1" i="0" u="none" strike="noStrike" cap="none" normalizeH="0" baseline="0" dirty="0" err="1">
+                <a:ln>
+                  <a:noFill/>
+                </a:ln>
+                <a:solidFill>
+                  <a:schemeClr val="tx1"/>
+                </a:solidFill>
+                <a:effectLst/>
+                <a:latin typeface="Arial" panose="020B0604020202020204" pitchFamily="34" charset="0"/>
+                <a:ea typeface="Times New Roman" panose="02020603050405020304" pitchFamily="18" charset="0"/>
+              </a:rPr>
+              <a:t>Px</a:t>
+            </a:r>
+            <a:endParaRPr kumimoji="0" lang="de-DE" altLang="en-US" sz="1800" b="0" i="0" u="none" strike="noStrike" cap="none" normalizeH="0" baseline="0" dirty="0">
               <a:ln>
                 <a:noFill/>
               </a:ln>
@@ -4216,8 +4277,8 @@
         </p:nvSpPr>
         <p:spPr bwMode="auto">
           <a:xfrm>
-            <a:off x="6429375" y="3486150"/>
-            <a:ext cx="1085850" cy="1409700"/>
+            <a:off x="6429374" y="3524250"/>
+            <a:ext cx="1171575" cy="1371600"/>
           </a:xfrm>
           <a:prstGeom prst="rect">
             <a:avLst/>
@@ -4270,7 +4331,7 @@
         </p:nvSpPr>
         <p:spPr bwMode="auto">
           <a:xfrm>
-            <a:off x="6276975" y="3486150"/>
+            <a:off x="6335031" y="3486150"/>
             <a:ext cx="1257300" cy="457200"/>
           </a:xfrm>
           <a:prstGeom prst="rect">
@@ -4324,7 +4385,7 @@
               <a:buNone/>
               <a:tabLst/>
             </a:pPr>
-            <a:endParaRPr kumimoji="0" lang="fr-FR" altLang="en-US" sz="1200" b="0" i="1" u="none" strike="noStrike" cap="none" normalizeH="0" baseline="0">
+            <a:endParaRPr kumimoji="0" lang="fr-FR" altLang="en-US" sz="1200" b="0" i="1" u="none" strike="noStrike" cap="none" normalizeH="0" baseline="0" dirty="0">
               <a:ln>
                 <a:noFill/>
               </a:ln>
@@ -4354,7 +4415,7 @@
               <a:tabLst/>
             </a:pPr>
             <a:r>
-              <a:rPr kumimoji="0" lang="fr-FR" altLang="en-US" sz="1200" b="0" i="1" u="none" strike="noStrike" cap="none" normalizeH="0" baseline="0">
+              <a:rPr kumimoji="0" lang="fr-FR" altLang="en-US" sz="1200" b="0" i="1" u="none" strike="noStrike" cap="none" normalizeH="0" baseline="0" dirty="0">
                 <a:ln>
                   <a:noFill/>
                 </a:ln>
@@ -4367,7 +4428,7 @@
               </a:rPr>
               <a:t>XDS Document Consumer</a:t>
             </a:r>
-            <a:endParaRPr kumimoji="0" lang="fr-FR" altLang="en-US" sz="1800" b="0" i="0" u="none" strike="noStrike" cap="none" normalizeH="0" baseline="0">
+            <a:endParaRPr kumimoji="0" lang="fr-FR" altLang="en-US" sz="1800" b="0" i="0" u="none" strike="noStrike" cap="none" normalizeH="0" baseline="0" dirty="0">
               <a:ln>
                 <a:noFill/>
               </a:ln>
@@ -4396,7 +4457,7 @@
         </p:nvSpPr>
         <p:spPr bwMode="auto">
           <a:xfrm>
-            <a:off x="2276475" y="4733925"/>
+            <a:off x="2276475" y="4611264"/>
             <a:ext cx="895350" cy="390525"/>
           </a:xfrm>
           <a:prstGeom prst="rect">
@@ -4451,7 +4512,7 @@
               <a:tabLst/>
             </a:pPr>
             <a:r>
-              <a:rPr kumimoji="0" lang="de-DE" altLang="en-US" sz="1000" b="1" i="0" u="none" strike="noStrike" cap="none" normalizeH="0" baseline="0">
+              <a:rPr kumimoji="0" lang="de-DE" altLang="en-US" sz="1000" b="1" i="0" u="none" strike="noStrike" cap="none" normalizeH="0" baseline="0" dirty="0" err="1">
                 <a:ln>
                   <a:noFill/>
                 </a:ln>
@@ -4462,9 +4523,23 @@
                 <a:latin typeface="Arial" panose="020B0604020202020204" pitchFamily="34" charset="0"/>
                 <a:ea typeface="Times New Roman" panose="02020603050405020304" pitchFamily="18" charset="0"/>
               </a:rPr>
-              <a:t>Provide &amp; Register</a:t>
-            </a:r>
-            <a:endParaRPr kumimoji="0" lang="de-DE" altLang="en-US" sz="1800" b="0" i="0" u="none" strike="noStrike" cap="none" normalizeH="0" baseline="0">
+              <a:t>Provide</a:t>
+            </a:r>
+            <a:r>
+              <a:rPr kumimoji="0" lang="de-DE" altLang="en-US" sz="1000" b="1" i="0" u="none" strike="noStrike" cap="none" normalizeH="0" baseline="0" dirty="0">
+                <a:ln>
+                  <a:noFill/>
+                </a:ln>
+                <a:solidFill>
+                  <a:schemeClr val="tx1"/>
+                </a:solidFill>
+                <a:effectLst/>
+                <a:latin typeface="Arial" panose="020B0604020202020204" pitchFamily="34" charset="0"/>
+                <a:ea typeface="Times New Roman" panose="02020603050405020304" pitchFamily="18" charset="0"/>
+              </a:rPr>
+              <a:t> &amp; Register</a:t>
+            </a:r>
+            <a:endParaRPr kumimoji="0" lang="de-DE" altLang="en-US" sz="1800" b="0" i="0" u="none" strike="noStrike" cap="none" normalizeH="0" baseline="0" dirty="0">
               <a:ln>
                 <a:noFill/>
               </a:ln>
@@ -4493,7 +4568,7 @@
         </p:nvSpPr>
         <p:spPr bwMode="auto">
           <a:xfrm>
-            <a:off x="5229225" y="3638550"/>
+            <a:off x="5229225" y="3515889"/>
             <a:ext cx="581025" cy="390525"/>
           </a:xfrm>
           <a:prstGeom prst="rect">
@@ -4547,7 +4622,7 @@
               <a:buNone/>
               <a:tabLst/>
             </a:pPr>
-            <a:endParaRPr kumimoji="0" lang="de-DE" altLang="en-US" sz="1000" b="1" i="0" u="none" strike="noStrike" cap="none" normalizeH="0" baseline="0">
+            <a:endParaRPr kumimoji="0" lang="de-DE" altLang="en-US" sz="1000" b="1" i="0" u="none" strike="noStrike" cap="none" normalizeH="0" baseline="0" dirty="0">
               <a:ln>
                 <a:noFill/>
               </a:ln>
@@ -4577,7 +4652,7 @@
               <a:tabLst/>
             </a:pPr>
             <a:r>
-              <a:rPr kumimoji="0" lang="de-DE" altLang="en-US" sz="1000" b="1" i="0" u="none" strike="noStrike" cap="none" normalizeH="0" baseline="0">
+              <a:rPr kumimoji="0" lang="de-DE" altLang="en-US" sz="1000" b="1" i="0" u="none" strike="noStrike" cap="none" normalizeH="0" baseline="0" dirty="0">
                 <a:ln>
                   <a:noFill/>
                 </a:ln>
@@ -4590,7 +4665,7 @@
               </a:rPr>
               <a:t>Query</a:t>
             </a:r>
-            <a:endParaRPr kumimoji="0" lang="de-DE" altLang="en-US" sz="1800" b="0" i="0" u="none" strike="noStrike" cap="none" normalizeH="0" baseline="0">
+            <a:endParaRPr kumimoji="0" lang="de-DE" altLang="en-US" sz="1800" b="0" i="0" u="none" strike="noStrike" cap="none" normalizeH="0" baseline="0" dirty="0">
               <a:ln>
                 <a:noFill/>
               </a:ln>
@@ -4619,7 +4694,7 @@
         </p:nvSpPr>
         <p:spPr bwMode="auto">
           <a:xfrm>
-            <a:off x="7572375" y="5191125"/>
+            <a:off x="7572375" y="4979256"/>
             <a:ext cx="695325" cy="390525"/>
           </a:xfrm>
           <a:prstGeom prst="rect">
@@ -4922,7 +4997,7 @@
           </a:bodyPr>
           <a:lstStyle/>
           <a:p>
-            <a:endParaRPr lang="en-US"/>
+            <a:endParaRPr lang="en-US" sz="1000" dirty="0"/>
           </a:p>
         </p:txBody>
       </p:sp>
@@ -5086,8 +5161,8 @@
         </p:nvSpPr>
         <p:spPr bwMode="auto">
           <a:xfrm>
-            <a:off x="2943225" y="1485900"/>
-            <a:ext cx="1371600" cy="390525"/>
+            <a:off x="2627043" y="1505997"/>
+            <a:ext cx="1828800" cy="390525"/>
           </a:xfrm>
           <a:prstGeom prst="rect">
             <a:avLst/>
@@ -5140,7 +5215,7 @@
               <a:buNone/>
               <a:tabLst/>
             </a:pPr>
-            <a:endParaRPr kumimoji="0" lang="de-DE" altLang="en-US" sz="1000" b="1" i="0" u="none" strike="noStrike" cap="none" normalizeH="0" baseline="0">
+            <a:endParaRPr kumimoji="0" lang="de-DE" altLang="en-US" sz="1000" b="1" i="0" u="none" strike="noStrike" cap="none" normalizeH="0" baseline="0" dirty="0">
               <a:ln>
                 <a:noFill/>
               </a:ln>
@@ -5170,7 +5245,7 @@
               <a:tabLst/>
             </a:pPr>
             <a:r>
-              <a:rPr kumimoji="0" lang="de-DE" altLang="en-US" sz="1000" b="1" i="0" u="none" strike="noStrike" cap="none" normalizeH="0" baseline="0">
+              <a:rPr kumimoji="0" lang="de-DE" altLang="en-US" sz="1000" b="1" i="0" u="none" strike="noStrike" cap="none" normalizeH="0" baseline="0" dirty="0">
                 <a:ln>
                   <a:noFill/>
                 </a:ln>
@@ -5183,7 +5258,7 @@
               </a:rPr>
               <a:t>Patient Identity Feed</a:t>
             </a:r>
-            <a:endParaRPr kumimoji="0" lang="de-DE" altLang="en-US" sz="1800" b="0" i="0" u="none" strike="noStrike" cap="none" normalizeH="0" baseline="0">
+            <a:endParaRPr kumimoji="0" lang="de-DE" altLang="en-US" sz="1800" b="0" i="0" u="none" strike="noStrike" cap="none" normalizeH="0" baseline="0" dirty="0">
               <a:ln>
                 <a:noFill/>
               </a:ln>
@@ -5212,7 +5287,7 @@
         </p:nvSpPr>
         <p:spPr bwMode="auto">
           <a:xfrm>
-            <a:off x="190500" y="5638800"/>
+            <a:off x="123825" y="5467932"/>
             <a:ext cx="1171575" cy="571500"/>
           </a:xfrm>
           <a:prstGeom prst="rect">
@@ -5266,7 +5341,7 @@
               <a:buNone/>
               <a:tabLst/>
             </a:pPr>
-            <a:endParaRPr kumimoji="0" lang="fr-FR" altLang="en-US" sz="1000" b="1" i="0" u="none" strike="noStrike" cap="none" normalizeH="0" baseline="0">
+            <a:endParaRPr kumimoji="0" lang="fr-FR" altLang="en-US" sz="1000" b="1" i="0" u="none" strike="noStrike" cap="none" normalizeH="0" baseline="0" dirty="0">
               <a:ln>
                 <a:noFill/>
               </a:ln>
@@ -5297,7 +5372,7 @@
               <a:tabLst/>
             </a:pPr>
             <a:r>
-              <a:rPr kumimoji="0" lang="fr-FR" altLang="en-US" sz="1000" b="1" i="0" u="none" strike="noStrike" cap="none" normalizeH="0" baseline="0">
+              <a:rPr kumimoji="0" lang="fr-FR" altLang="en-US" sz="1000" b="1" i="0" u="none" strike="noStrike" cap="none" normalizeH="0" baseline="0" dirty="0">
                 <a:ln>
                   <a:noFill/>
                 </a:ln>
@@ -5311,7 +5386,7 @@
               </a:rPr>
               <a:t>Patient Identification Domain C</a:t>
             </a:r>
-            <a:endParaRPr kumimoji="0" lang="fr-FR" altLang="en-US" sz="1800" b="0" i="0" u="none" strike="noStrike" cap="none" normalizeH="0" baseline="0">
+            <a:endParaRPr kumimoji="0" lang="fr-FR" altLang="en-US" sz="1800" b="0" i="0" u="none" strike="noStrike" cap="none" normalizeH="0" baseline="0" dirty="0">
               <a:ln>
                 <a:noFill/>
               </a:ln>
@@ -5468,7 +5543,7 @@
         </p:nvSpPr>
         <p:spPr bwMode="auto">
           <a:xfrm>
-            <a:off x="3829050" y="6238875"/>
+            <a:off x="3795597" y="6071609"/>
             <a:ext cx="1171575" cy="571500"/>
           </a:xfrm>
           <a:prstGeom prst="rect">
@@ -5522,7 +5597,7 @@
               <a:buNone/>
               <a:tabLst/>
             </a:pPr>
-            <a:endParaRPr kumimoji="0" lang="fr-FR" altLang="en-US" sz="1000" b="1" i="0" u="none" strike="noStrike" cap="none" normalizeH="0" baseline="0">
+            <a:endParaRPr kumimoji="0" lang="fr-FR" altLang="en-US" sz="1000" b="1" i="0" u="none" strike="noStrike" cap="none" normalizeH="0" baseline="0" dirty="0">
               <a:ln>
                 <a:noFill/>
               </a:ln>
@@ -5553,7 +5628,7 @@
               <a:tabLst/>
             </a:pPr>
             <a:r>
-              <a:rPr kumimoji="0" lang="fr-FR" altLang="en-US" sz="1000" b="1" i="0" u="none" strike="noStrike" cap="none" normalizeH="0" baseline="0">
+              <a:rPr kumimoji="0" lang="fr-FR" altLang="en-US" sz="1000" b="1" i="0" u="none" strike="noStrike" cap="none" normalizeH="0" baseline="0" dirty="0">
                 <a:ln>
                   <a:noFill/>
                 </a:ln>
@@ -5567,7 +5642,7 @@
               </a:rPr>
               <a:t>Patient Identification Domain XAD</a:t>
             </a:r>
-            <a:endParaRPr kumimoji="0" lang="fr-FR" altLang="en-US" sz="1800" b="0" i="0" u="none" strike="noStrike" cap="none" normalizeH="0" baseline="0">
+            <a:endParaRPr kumimoji="0" lang="fr-FR" altLang="en-US" sz="1800" b="0" i="0" u="none" strike="noStrike" cap="none" normalizeH="0" baseline="0" dirty="0">
               <a:ln>
                 <a:noFill/>
               </a:ln>
@@ -5595,9 +5670,9 @@
           <p:nvPr/>
         </p:nvSpPr>
         <p:spPr bwMode="auto">
-          <a:xfrm rot="13649485" flipV="1">
-            <a:off x="3770313" y="1487488"/>
-            <a:ext cx="1079500" cy="965200"/>
+          <a:xfrm rot="13649485" flipH="1" flipV="1">
+            <a:off x="3972171" y="1504417"/>
+            <a:ext cx="1123456" cy="1029768"/>
           </a:xfrm>
           <a:prstGeom prst="line">
             <a:avLst/>
@@ -5647,7 +5722,7 @@
         </p:nvSpPr>
         <p:spPr bwMode="auto">
           <a:xfrm>
-            <a:off x="152400" y="4962525"/>
+            <a:off x="152400" y="4862166"/>
             <a:ext cx="695325" cy="390525"/>
           </a:xfrm>
           <a:prstGeom prst="rect">
@@ -5701,7 +5776,7 @@
               <a:buNone/>
               <a:tabLst/>
             </a:pPr>
-            <a:endParaRPr kumimoji="0" lang="de-DE" altLang="en-US" sz="1000" b="1" i="0" u="none" strike="noStrike" cap="none" normalizeH="0" baseline="0">
+            <a:endParaRPr kumimoji="0" lang="de-DE" altLang="en-US" sz="1000" b="1" i="0" u="none" strike="noStrike" cap="none" normalizeH="0" baseline="0" dirty="0">
               <a:ln>
                 <a:noFill/>
               </a:ln>
@@ -5731,7 +5806,7 @@
               <a:tabLst/>
             </a:pPr>
             <a:r>
-              <a:rPr kumimoji="0" lang="de-DE" altLang="en-US" sz="1000" b="1" i="0" u="none" strike="noStrike" cap="none" normalizeH="0" baseline="0">
+              <a:rPr kumimoji="0" lang="de-DE" altLang="en-US" sz="1000" b="1" i="0" u="none" strike="noStrike" cap="none" normalizeH="0" baseline="0" dirty="0" err="1">
                 <a:ln>
                   <a:noFill/>
                 </a:ln>
@@ -5742,9 +5817,23 @@
                 <a:latin typeface="Arial" panose="020B0604020202020204" pitchFamily="34" charset="0"/>
                 <a:ea typeface="Times New Roman" panose="02020603050405020304" pitchFamily="18" charset="0"/>
               </a:rPr>
-              <a:t>Dm=C</a:t>
-            </a:r>
-            <a:endParaRPr kumimoji="0" lang="de-DE" altLang="en-US" sz="1000" b="0" i="0" u="none" strike="noStrike" cap="none" normalizeH="0" baseline="0">
+              <a:t>Dm</a:t>
+            </a:r>
+            <a:r>
+              <a:rPr kumimoji="0" lang="de-DE" altLang="en-US" sz="1000" b="1" i="0" u="none" strike="noStrike" cap="none" normalizeH="0" baseline="0" dirty="0">
+                <a:ln>
+                  <a:noFill/>
+                </a:ln>
+                <a:solidFill>
+                  <a:schemeClr val="tx1"/>
+                </a:solidFill>
+                <a:effectLst/>
+                <a:latin typeface="Arial" panose="020B0604020202020204" pitchFamily="34" charset="0"/>
+                <a:ea typeface="Times New Roman" panose="02020603050405020304" pitchFamily="18" charset="0"/>
+              </a:rPr>
+              <a:t>=C</a:t>
+            </a:r>
+            <a:endParaRPr kumimoji="0" lang="de-DE" altLang="en-US" sz="1000" b="0" i="0" u="none" strike="noStrike" cap="none" normalizeH="0" baseline="0" dirty="0">
               <a:ln>
                 <a:noFill/>
               </a:ln>
@@ -5773,7 +5862,7 @@
               <a:tabLst/>
             </a:pPr>
             <a:r>
-              <a:rPr kumimoji="0" lang="de-DE" altLang="en-US" sz="1000" b="1" i="0" u="none" strike="noStrike" cap="none" normalizeH="0" baseline="0">
+              <a:rPr kumimoji="0" lang="de-DE" altLang="en-US" sz="1000" b="1" i="0" u="none" strike="noStrike" cap="none" normalizeH="0" baseline="0" dirty="0" err="1">
                 <a:ln>
                   <a:noFill/>
                 </a:ln>
@@ -5784,9 +5873,37 @@
                 <a:latin typeface="Arial" panose="020B0604020202020204" pitchFamily="34" charset="0"/>
                 <a:ea typeface="Times New Roman" panose="02020603050405020304" pitchFamily="18" charset="0"/>
               </a:rPr>
-              <a:t>Pid=Pc</a:t>
-            </a:r>
-            <a:endParaRPr kumimoji="0" lang="de-DE" altLang="en-US" sz="1800" b="0" i="0" u="none" strike="noStrike" cap="none" normalizeH="0" baseline="0">
+              <a:t>Pid</a:t>
+            </a:r>
+            <a:r>
+              <a:rPr kumimoji="0" lang="de-DE" altLang="en-US" sz="1000" b="1" i="0" u="none" strike="noStrike" cap="none" normalizeH="0" baseline="0" dirty="0">
+                <a:ln>
+                  <a:noFill/>
+                </a:ln>
+                <a:solidFill>
+                  <a:schemeClr val="tx1"/>
+                </a:solidFill>
+                <a:effectLst/>
+                <a:latin typeface="Arial" panose="020B0604020202020204" pitchFamily="34" charset="0"/>
+                <a:ea typeface="Times New Roman" panose="02020603050405020304" pitchFamily="18" charset="0"/>
+              </a:rPr>
+              <a:t>=</a:t>
+            </a:r>
+            <a:r>
+              <a:rPr kumimoji="0" lang="de-DE" altLang="en-US" sz="1000" b="1" i="0" u="none" strike="noStrike" cap="none" normalizeH="0" baseline="0" dirty="0" err="1">
+                <a:ln>
+                  <a:noFill/>
+                </a:ln>
+                <a:solidFill>
+                  <a:schemeClr val="tx1"/>
+                </a:solidFill>
+                <a:effectLst/>
+                <a:latin typeface="Arial" panose="020B0604020202020204" pitchFamily="34" charset="0"/>
+                <a:ea typeface="Times New Roman" panose="02020603050405020304" pitchFamily="18" charset="0"/>
+              </a:rPr>
+              <a:t>Pc</a:t>
+            </a:r>
+            <a:endParaRPr kumimoji="0" lang="de-DE" altLang="en-US" sz="1800" b="0" i="0" u="none" strike="noStrike" cap="none" normalizeH="0" baseline="0" dirty="0">
               <a:ln>
                 <a:noFill/>
               </a:ln>
@@ -5815,7 +5932,7 @@
         </p:nvSpPr>
         <p:spPr bwMode="auto">
           <a:xfrm>
-            <a:off x="6524625" y="4181475"/>
+            <a:off x="6591531" y="4047663"/>
             <a:ext cx="762000" cy="390525"/>
           </a:xfrm>
           <a:prstGeom prst="rect">
@@ -5869,7 +5986,7 @@
               <a:buNone/>
               <a:tabLst/>
             </a:pPr>
-            <a:endParaRPr kumimoji="0" lang="de-DE" altLang="en-US" sz="1000" b="1" i="0" u="none" strike="noStrike" cap="none" normalizeH="0" baseline="0">
+            <a:endParaRPr kumimoji="0" lang="de-DE" altLang="en-US" sz="1000" b="1" i="0" u="none" strike="noStrike" cap="none" normalizeH="0" baseline="0" dirty="0">
               <a:ln>
                 <a:noFill/>
               </a:ln>
@@ -5899,7 +6016,7 @@
               <a:tabLst/>
             </a:pPr>
             <a:r>
-              <a:rPr kumimoji="0" lang="de-DE" altLang="en-US" sz="1000" b="1" i="0" u="none" strike="noStrike" cap="none" normalizeH="0" baseline="0">
+              <a:rPr kumimoji="0" lang="de-DE" altLang="en-US" sz="1000" b="1" i="0" u="none" strike="noStrike" cap="none" normalizeH="0" baseline="0" dirty="0" err="1">
                 <a:ln>
                   <a:noFill/>
                 </a:ln>
@@ -5910,9 +6027,23 @@
                 <a:latin typeface="Arial" panose="020B0604020202020204" pitchFamily="34" charset="0"/>
                 <a:ea typeface="Times New Roman" panose="02020603050405020304" pitchFamily="18" charset="0"/>
               </a:rPr>
-              <a:t>Dm=XAD</a:t>
-            </a:r>
-            <a:endParaRPr kumimoji="0" lang="de-DE" altLang="en-US" sz="1000" b="0" i="0" u="none" strike="noStrike" cap="none" normalizeH="0" baseline="0">
+              <a:t>Dm</a:t>
+            </a:r>
+            <a:r>
+              <a:rPr kumimoji="0" lang="de-DE" altLang="en-US" sz="1000" b="1" i="0" u="none" strike="noStrike" cap="none" normalizeH="0" baseline="0" dirty="0">
+                <a:ln>
+                  <a:noFill/>
+                </a:ln>
+                <a:solidFill>
+                  <a:schemeClr val="tx1"/>
+                </a:solidFill>
+                <a:effectLst/>
+                <a:latin typeface="Arial" panose="020B0604020202020204" pitchFamily="34" charset="0"/>
+                <a:ea typeface="Times New Roman" panose="02020603050405020304" pitchFamily="18" charset="0"/>
+              </a:rPr>
+              <a:t>=XAD</a:t>
+            </a:r>
+            <a:endParaRPr kumimoji="0" lang="de-DE" altLang="en-US" sz="1000" b="0" i="0" u="none" strike="noStrike" cap="none" normalizeH="0" baseline="0" dirty="0">
               <a:ln>
                 <a:noFill/>
               </a:ln>
@@ -5941,7 +6072,7 @@
               <a:tabLst/>
             </a:pPr>
             <a:r>
-              <a:rPr kumimoji="0" lang="de-DE" altLang="en-US" sz="1000" b="1" i="0" u="none" strike="noStrike" cap="none" normalizeH="0" baseline="0">
+              <a:rPr kumimoji="0" lang="de-DE" altLang="en-US" sz="1000" b="1" i="0" u="none" strike="noStrike" cap="none" normalizeH="0" baseline="0" dirty="0" err="1">
                 <a:ln>
                   <a:noFill/>
                 </a:ln>
@@ -5952,9 +6083,37 @@
                 <a:latin typeface="Arial" panose="020B0604020202020204" pitchFamily="34" charset="0"/>
                 <a:ea typeface="Times New Roman" panose="02020603050405020304" pitchFamily="18" charset="0"/>
               </a:rPr>
-              <a:t>Pid=Px</a:t>
-            </a:r>
-            <a:endParaRPr kumimoji="0" lang="de-DE" altLang="en-US" sz="1800" b="0" i="0" u="none" strike="noStrike" cap="none" normalizeH="0" baseline="0">
+              <a:t>Pid</a:t>
+            </a:r>
+            <a:r>
+              <a:rPr kumimoji="0" lang="de-DE" altLang="en-US" sz="1000" b="1" i="0" u="none" strike="noStrike" cap="none" normalizeH="0" baseline="0" dirty="0">
+                <a:ln>
+                  <a:noFill/>
+                </a:ln>
+                <a:solidFill>
+                  <a:schemeClr val="tx1"/>
+                </a:solidFill>
+                <a:effectLst/>
+                <a:latin typeface="Arial" panose="020B0604020202020204" pitchFamily="34" charset="0"/>
+                <a:ea typeface="Times New Roman" panose="02020603050405020304" pitchFamily="18" charset="0"/>
+              </a:rPr>
+              <a:t>=</a:t>
+            </a:r>
+            <a:r>
+              <a:rPr kumimoji="0" lang="de-DE" altLang="en-US" sz="1000" b="1" i="0" u="none" strike="noStrike" cap="none" normalizeH="0" baseline="0" dirty="0" err="1">
+                <a:ln>
+                  <a:noFill/>
+                </a:ln>
+                <a:solidFill>
+                  <a:schemeClr val="tx1"/>
+                </a:solidFill>
+                <a:effectLst/>
+                <a:latin typeface="Arial" panose="020B0604020202020204" pitchFamily="34" charset="0"/>
+                <a:ea typeface="Times New Roman" panose="02020603050405020304" pitchFamily="18" charset="0"/>
+              </a:rPr>
+              <a:t>Px</a:t>
+            </a:r>
+            <a:endParaRPr kumimoji="0" lang="de-DE" altLang="en-US" sz="1800" b="0" i="0" u="none" strike="noStrike" cap="none" normalizeH="0" baseline="0" dirty="0">
               <a:ln>
                 <a:noFill/>
               </a:ln>
@@ -5983,8 +6142,8 @@
         </p:nvSpPr>
         <p:spPr bwMode="auto">
           <a:xfrm>
-            <a:off x="1562100" y="4987925"/>
-            <a:ext cx="2209800" cy="527050"/>
+            <a:off x="1562099" y="5060494"/>
+            <a:ext cx="2352447" cy="614361"/>
           </a:xfrm>
           <a:custGeom>
             <a:avLst/>
@@ -6204,7 +6363,7 @@
         </p:nvSpPr>
         <p:spPr bwMode="auto">
           <a:xfrm>
-            <a:off x="7048500" y="4873625"/>
+            <a:off x="7137708" y="4472182"/>
             <a:ext cx="685800" cy="361950"/>
           </a:xfrm>
           <a:custGeom>
@@ -6295,6 +6454,1479 @@
       </p:sp>
       <p:sp>
         <p:nvSpPr>
+          <p:cNvPr id="35" name="Rectangle 40">
+            <a:extLst>
+              <a:ext uri="{FF2B5EF4-FFF2-40B4-BE49-F238E27FC236}">
+                <a16:creationId xmlns:a16="http://schemas.microsoft.com/office/drawing/2014/main" id="{2541B82F-8DB0-6643-9C71-8C1722A39DD8}"/>
+              </a:ext>
+            </a:extLst>
+          </p:cNvPr>
+          <p:cNvSpPr>
+            <a:spLocks noChangeArrowheads="1"/>
+          </p:cNvSpPr>
+          <p:nvPr/>
+        </p:nvSpPr>
+        <p:spPr bwMode="auto">
+          <a:xfrm>
+            <a:off x="0" y="0"/>
+            <a:ext cx="12192000" cy="457200"/>
+          </a:xfrm>
+          <a:prstGeom prst="rect">
+            <a:avLst/>
+          </a:prstGeom>
+          <a:noFill/>
+          <a:ln>
+            <a:noFill/>
+          </a:ln>
+          <a:effectLst/>
+          <a:extLst>
+            <a:ext uri="{909E8E84-426E-40DD-AFC4-6F175D3DCCD1}">
+              <a14:hiddenFill xmlns:a14="http://schemas.microsoft.com/office/drawing/2010/main">
+                <a:solidFill>
+                  <a:schemeClr val="accent1"/>
+                </a:solidFill>
+              </a14:hiddenFill>
+            </a:ext>
+            <a:ext uri="{91240B29-F687-4F45-9708-019B960494DF}">
+              <a14:hiddenLine xmlns:a14="http://schemas.microsoft.com/office/drawing/2010/main" w="9525">
+                <a:solidFill>
+                  <a:schemeClr val="tx1"/>
+                </a:solidFill>
+                <a:miter lim="800000"/>
+                <a:headEnd/>
+                <a:tailEnd/>
+              </a14:hiddenLine>
+            </a:ext>
+            <a:ext uri="{AF507438-7753-43E0-B8FC-AC1667EBCBE1}">
+              <a14:hiddenEffects xmlns:a14="http://schemas.microsoft.com/office/drawing/2010/main">
+                <a:effectLst>
+                  <a:outerShdw dist="35921" dir="2700000" algn="ctr" rotWithShape="0">
+                    <a:schemeClr val="bg2"/>
+                  </a:outerShdw>
+                </a:effectLst>
+              </a14:hiddenEffects>
+            </a:ext>
+          </a:extLst>
+        </p:spPr>
+        <p:txBody>
+          <a:bodyPr vert="horz" wrap="none" lIns="91440" tIns="45720" rIns="91440" bIns="45720" numCol="1" anchor="ctr" anchorCtr="0" compatLnSpc="1">
+            <a:prstTxWarp prst="textNoShape">
+              <a:avLst/>
+            </a:prstTxWarp>
+            <a:spAutoFit/>
+          </a:bodyPr>
+          <a:lstStyle/>
+          <a:p>
+            <a:endParaRPr lang="en-US"/>
+          </a:p>
+        </p:txBody>
+      </p:sp>
+      <p:sp>
+        <p:nvSpPr>
+          <p:cNvPr id="36" name="Rectangle 41">
+            <a:extLst>
+              <a:ext uri="{FF2B5EF4-FFF2-40B4-BE49-F238E27FC236}">
+                <a16:creationId xmlns:a16="http://schemas.microsoft.com/office/drawing/2014/main" id="{2CC9395A-2BCE-DE48-BA66-49A94346863D}"/>
+              </a:ext>
+            </a:extLst>
+          </p:cNvPr>
+          <p:cNvSpPr>
+            <a:spLocks noChangeArrowheads="1"/>
+          </p:cNvSpPr>
+          <p:nvPr/>
+        </p:nvSpPr>
+        <p:spPr bwMode="auto">
+          <a:xfrm>
+            <a:off x="0" y="457200"/>
+            <a:ext cx="12192000" cy="0"/>
+          </a:xfrm>
+          <a:prstGeom prst="rect">
+            <a:avLst/>
+          </a:prstGeom>
+          <a:noFill/>
+          <a:ln>
+            <a:noFill/>
+          </a:ln>
+          <a:effectLst/>
+          <a:extLst>
+            <a:ext uri="{909E8E84-426E-40DD-AFC4-6F175D3DCCD1}">
+              <a14:hiddenFill xmlns:a14="http://schemas.microsoft.com/office/drawing/2010/main">
+                <a:solidFill>
+                  <a:schemeClr val="accent1"/>
+                </a:solidFill>
+              </a14:hiddenFill>
+            </a:ext>
+            <a:ext uri="{91240B29-F687-4F45-9708-019B960494DF}">
+              <a14:hiddenLine xmlns:a14="http://schemas.microsoft.com/office/drawing/2010/main" w="9525">
+                <a:solidFill>
+                  <a:schemeClr val="tx1"/>
+                </a:solidFill>
+                <a:miter lim="800000"/>
+                <a:headEnd/>
+                <a:tailEnd/>
+              </a14:hiddenLine>
+            </a:ext>
+            <a:ext uri="{AF507438-7753-43E0-B8FC-AC1667EBCBE1}">
+              <a14:hiddenEffects xmlns:a14="http://schemas.microsoft.com/office/drawing/2010/main">
+                <a:effectLst>
+                  <a:outerShdw dist="35921" dir="2700000" algn="ctr" rotWithShape="0">
+                    <a:schemeClr val="bg2"/>
+                  </a:outerShdw>
+                </a:effectLst>
+              </a14:hiddenEffects>
+            </a:ext>
+          </a:extLst>
+        </p:spPr>
+        <p:txBody>
+          <a:bodyPr vert="horz" wrap="none" lIns="91440" tIns="45720" rIns="91440" bIns="45720" numCol="1" anchor="ctr" anchorCtr="0" compatLnSpc="1">
+            <a:prstTxWarp prst="textNoShape">
+              <a:avLst/>
+            </a:prstTxWarp>
+            <a:spAutoFit/>
+          </a:bodyPr>
+          <a:lstStyle/>
+          <a:p>
+            <a:pPr marL="0" marR="0" lvl="0" indent="0" algn="l" defTabSz="914400" rtl="0" eaLnBrk="0" fontAlgn="base" latinLnBrk="0" hangingPunct="0">
+              <a:lnSpc>
+                <a:spcPct val="100000"/>
+              </a:lnSpc>
+              <a:spcBef>
+                <a:spcPct val="0"/>
+              </a:spcBef>
+              <a:spcAft>
+                <a:spcPct val="0"/>
+              </a:spcAft>
+              <a:buClrTx/>
+              <a:buSzTx/>
+              <a:buFontTx/>
+              <a:buNone/>
+              <a:tabLst/>
+            </a:pPr>
+            <a:br>
+              <a:rPr kumimoji="0" lang="en-US" altLang="en-US" sz="1800" b="0" i="0" u="none" strike="noStrike" cap="none" normalizeH="0" baseline="0">
+                <a:ln>
+                  <a:noFill/>
+                </a:ln>
+                <a:solidFill>
+                  <a:schemeClr val="tx1"/>
+                </a:solidFill>
+                <a:effectLst/>
+                <a:latin typeface="Arial" panose="020B0604020202020204" pitchFamily="34" charset="0"/>
+              </a:rPr>
+            </a:br>
+            <a:endParaRPr kumimoji="0" lang="en-US" altLang="en-US" sz="1800" b="0" i="0" u="none" strike="noStrike" cap="none" normalizeH="0" baseline="0">
+              <a:ln>
+                <a:noFill/>
+              </a:ln>
+              <a:solidFill>
+                <a:schemeClr val="tx1"/>
+              </a:solidFill>
+              <a:effectLst/>
+              <a:latin typeface="Arial" panose="020B0604020202020204" pitchFamily="34" charset="0"/>
+            </a:endParaRPr>
+          </a:p>
+          <a:p>
+            <a:pPr marL="0" marR="0" lvl="0" indent="0" algn="l" defTabSz="914400" rtl="0" eaLnBrk="0" fontAlgn="base" latinLnBrk="0" hangingPunct="0">
+              <a:lnSpc>
+                <a:spcPct val="100000"/>
+              </a:lnSpc>
+              <a:spcBef>
+                <a:spcPct val="0"/>
+              </a:spcBef>
+              <a:spcAft>
+                <a:spcPct val="0"/>
+              </a:spcAft>
+              <a:buClrTx/>
+              <a:buSzTx/>
+              <a:buFontTx/>
+              <a:buNone/>
+              <a:tabLst/>
+            </a:pPr>
+            <a:endParaRPr kumimoji="0" lang="en-US" altLang="en-US" sz="1800" b="0" i="0" u="none" strike="noStrike" cap="none" normalizeH="0" baseline="0">
+              <a:ln>
+                <a:noFill/>
+              </a:ln>
+              <a:solidFill>
+                <a:schemeClr val="tx1"/>
+              </a:solidFill>
+              <a:effectLst/>
+              <a:latin typeface="Arial" panose="020B0604020202020204" pitchFamily="34" charset="0"/>
+            </a:endParaRPr>
+          </a:p>
+        </p:txBody>
+      </p:sp>
+      <p:sp>
+        <p:nvSpPr>
+          <p:cNvPr id="37" name="Rectangle 42">
+            <a:extLst>
+              <a:ext uri="{FF2B5EF4-FFF2-40B4-BE49-F238E27FC236}">
+                <a16:creationId xmlns:a16="http://schemas.microsoft.com/office/drawing/2014/main" id="{B2A1EC60-47CE-D54D-98AB-EA0B196383CD}"/>
+              </a:ext>
+            </a:extLst>
+          </p:cNvPr>
+          <p:cNvSpPr>
+            <a:spLocks noChangeArrowheads="1"/>
+          </p:cNvSpPr>
+          <p:nvPr/>
+        </p:nvSpPr>
+        <p:spPr bwMode="auto">
+          <a:xfrm>
+            <a:off x="0" y="457200"/>
+            <a:ext cx="12192000" cy="0"/>
+          </a:xfrm>
+          <a:prstGeom prst="rect">
+            <a:avLst/>
+          </a:prstGeom>
+          <a:noFill/>
+          <a:ln>
+            <a:noFill/>
+          </a:ln>
+          <a:effectLst/>
+          <a:extLst>
+            <a:ext uri="{909E8E84-426E-40DD-AFC4-6F175D3DCCD1}">
+              <a14:hiddenFill xmlns:a14="http://schemas.microsoft.com/office/drawing/2010/main">
+                <a:solidFill>
+                  <a:schemeClr val="accent1"/>
+                </a:solidFill>
+              </a14:hiddenFill>
+            </a:ext>
+            <a:ext uri="{91240B29-F687-4F45-9708-019B960494DF}">
+              <a14:hiddenLine xmlns:a14="http://schemas.microsoft.com/office/drawing/2010/main" w="9525">
+                <a:solidFill>
+                  <a:schemeClr val="tx1"/>
+                </a:solidFill>
+                <a:miter lim="800000"/>
+                <a:headEnd/>
+                <a:tailEnd/>
+              </a14:hiddenLine>
+            </a:ext>
+            <a:ext uri="{AF507438-7753-43E0-B8FC-AC1667EBCBE1}">
+              <a14:hiddenEffects xmlns:a14="http://schemas.microsoft.com/office/drawing/2010/main">
+                <a:effectLst>
+                  <a:outerShdw dist="35921" dir="2700000" algn="ctr" rotWithShape="0">
+                    <a:schemeClr val="bg2"/>
+                  </a:outerShdw>
+                </a:effectLst>
+              </a14:hiddenEffects>
+            </a:ext>
+          </a:extLst>
+        </p:spPr>
+        <p:txBody>
+          <a:bodyPr vert="horz" wrap="none" lIns="91440" tIns="45720" rIns="91440" bIns="45720" numCol="1" anchor="ctr" anchorCtr="0" compatLnSpc="1">
+            <a:prstTxWarp prst="textNoShape">
+              <a:avLst/>
+            </a:prstTxWarp>
+            <a:spAutoFit/>
+          </a:bodyPr>
+          <a:lstStyle/>
+          <a:p>
+            <a:pPr marL="0" marR="0" lvl="0" indent="0" algn="l" defTabSz="914400" rtl="0" eaLnBrk="0" fontAlgn="base" latinLnBrk="0" hangingPunct="0">
+              <a:lnSpc>
+                <a:spcPct val="100000"/>
+              </a:lnSpc>
+              <a:spcBef>
+                <a:spcPct val="0"/>
+              </a:spcBef>
+              <a:spcAft>
+                <a:spcPct val="0"/>
+              </a:spcAft>
+              <a:buClrTx/>
+              <a:buSzTx/>
+              <a:buFontTx/>
+              <a:buNone/>
+              <a:tabLst/>
+            </a:pPr>
+            <a:endParaRPr kumimoji="0" lang="en-US" altLang="en-US" sz="1800" b="0" i="0" u="none" strike="noStrike" cap="none" normalizeH="0" baseline="0">
+              <a:ln>
+                <a:noFill/>
+              </a:ln>
+              <a:solidFill>
+                <a:schemeClr val="tx1"/>
+              </a:solidFill>
+              <a:effectLst/>
+              <a:latin typeface="Arial" panose="020B0604020202020204" pitchFamily="34" charset="0"/>
+            </a:endParaRPr>
+          </a:p>
+          <a:p>
+            <a:pPr marL="0" marR="0" lvl="0" indent="0" algn="l" defTabSz="914400" rtl="0" eaLnBrk="0" fontAlgn="base" latinLnBrk="0" hangingPunct="0">
+              <a:lnSpc>
+                <a:spcPct val="100000"/>
+              </a:lnSpc>
+              <a:spcBef>
+                <a:spcPct val="0"/>
+              </a:spcBef>
+              <a:spcAft>
+                <a:spcPct val="0"/>
+              </a:spcAft>
+              <a:buClrTx/>
+              <a:buSzTx/>
+              <a:buFontTx/>
+              <a:buNone/>
+              <a:tabLst/>
+            </a:pPr>
+            <a:endParaRPr kumimoji="0" lang="en-US" altLang="en-US" sz="1800" b="0" i="0" u="none" strike="noStrike" cap="none" normalizeH="0" baseline="0">
+              <a:ln>
+                <a:noFill/>
+              </a:ln>
+              <a:solidFill>
+                <a:schemeClr val="tx1"/>
+              </a:solidFill>
+              <a:effectLst/>
+              <a:latin typeface="Arial" panose="020B0604020202020204" pitchFamily="34" charset="0"/>
+            </a:endParaRPr>
+          </a:p>
+        </p:txBody>
+      </p:sp>
+      <p:sp>
+        <p:nvSpPr>
+          <p:cNvPr id="38" name="AutoShape 17">
+            <a:extLst>
+              <a:ext uri="{FF2B5EF4-FFF2-40B4-BE49-F238E27FC236}">
+                <a16:creationId xmlns:a16="http://schemas.microsoft.com/office/drawing/2014/main" id="{6E1F404D-0834-CC44-922B-0BBA7F2C6C96}"/>
+              </a:ext>
+            </a:extLst>
+          </p:cNvPr>
+          <p:cNvSpPr>
+            <a:spLocks noChangeArrowheads="1"/>
+          </p:cNvSpPr>
+          <p:nvPr/>
+        </p:nvSpPr>
+        <p:spPr bwMode="auto">
+          <a:xfrm flipV="1">
+            <a:off x="3143250" y="15030450"/>
+            <a:ext cx="2571750" cy="1714500"/>
+          </a:xfrm>
+          <a:prstGeom prst="foldedCorner">
+            <a:avLst>
+              <a:gd name="adj" fmla="val 12500"/>
+            </a:avLst>
+          </a:prstGeom>
+          <a:solidFill>
+            <a:srgbClr val="FFFFFF"/>
+          </a:solidFill>
+          <a:ln w="9525">
+            <a:solidFill>
+              <a:srgbClr val="000000"/>
+            </a:solidFill>
+            <a:round/>
+            <a:headEnd/>
+            <a:tailEnd/>
+          </a:ln>
+        </p:spPr>
+        <p:txBody>
+          <a:bodyPr vert="horz" wrap="square" lIns="91440" tIns="45720" rIns="91440" bIns="45720" numCol="1" anchor="t" anchorCtr="0" compatLnSpc="1">
+            <a:prstTxWarp prst="textNoShape">
+              <a:avLst/>
+            </a:prstTxWarp>
+          </a:bodyPr>
+          <a:lstStyle/>
+          <a:p>
+            <a:endParaRPr lang="en-US"/>
+          </a:p>
+        </p:txBody>
+      </p:sp>
+      <p:sp>
+        <p:nvSpPr>
+          <p:cNvPr id="39" name="Text Box 16">
+            <a:extLst>
+              <a:ext uri="{FF2B5EF4-FFF2-40B4-BE49-F238E27FC236}">
+                <a16:creationId xmlns:a16="http://schemas.microsoft.com/office/drawing/2014/main" id="{D415D1BA-C108-8847-951E-1F25C881CB48}"/>
+              </a:ext>
+            </a:extLst>
+          </p:cNvPr>
+          <p:cNvSpPr txBox="1">
+            <a:spLocks noChangeArrowheads="1"/>
+          </p:cNvSpPr>
+          <p:nvPr/>
+        </p:nvSpPr>
+        <p:spPr bwMode="auto">
+          <a:xfrm>
+            <a:off x="3143250" y="16744950"/>
+            <a:ext cx="2571750" cy="1714500"/>
+          </a:xfrm>
+          <a:prstGeom prst="rect">
+            <a:avLst/>
+          </a:prstGeom>
+          <a:noFill/>
+          <a:ln>
+            <a:noFill/>
+          </a:ln>
+          <a:extLst>
+            <a:ext uri="{909E8E84-426E-40DD-AFC4-6F175D3DCCD1}">
+              <a14:hiddenFill xmlns:a14="http://schemas.microsoft.com/office/drawing/2010/main">
+                <a:solidFill>
+                  <a:srgbClr val="FFFFFF"/>
+                </a:solidFill>
+              </a14:hiddenFill>
+            </a:ext>
+            <a:ext uri="{91240B29-F687-4F45-9708-019B960494DF}">
+              <a14:hiddenLine xmlns:a14="http://schemas.microsoft.com/office/drawing/2010/main" w="9525">
+                <a:solidFill>
+                  <a:srgbClr val="000000"/>
+                </a:solidFill>
+                <a:miter lim="800000"/>
+                <a:headEnd/>
+                <a:tailEnd/>
+              </a14:hiddenLine>
+            </a:ext>
+          </a:extLst>
+        </p:spPr>
+        <p:txBody>
+          <a:bodyPr vert="horz" wrap="square" lIns="91440" tIns="45720" rIns="91440" bIns="45720" numCol="1" anchor="t" anchorCtr="0" compatLnSpc="1">
+            <a:prstTxWarp prst="textNoShape">
+              <a:avLst/>
+            </a:prstTxWarp>
+          </a:bodyPr>
+          <a:lstStyle/>
+          <a:p>
+            <a:pPr marL="0" marR="0" lvl="0" indent="0" algn="l" defTabSz="914400" rtl="0" eaLnBrk="0" fontAlgn="base" latinLnBrk="0" hangingPunct="0">
+              <a:lnSpc>
+                <a:spcPct val="100000"/>
+              </a:lnSpc>
+              <a:spcBef>
+                <a:spcPct val="0"/>
+              </a:spcBef>
+              <a:spcAft>
+                <a:spcPct val="0"/>
+              </a:spcAft>
+              <a:buClrTx/>
+              <a:buSzTx/>
+              <a:buFontTx/>
+              <a:buNone/>
+              <a:tabLst/>
+            </a:pPr>
+            <a:r>
+              <a:rPr kumimoji="0" lang="fr-FR" altLang="en-US" sz="1000" b="0" i="0" u="none" strike="noStrike" cap="none" normalizeH="0" baseline="0">
+                <a:ln>
+                  <a:noFill/>
+                </a:ln>
+                <a:solidFill>
+                  <a:schemeClr val="tx1"/>
+                </a:solidFill>
+                <a:effectLst/>
+                <a:latin typeface="Arial" panose="020B0604020202020204" pitchFamily="34" charset="0"/>
+                <a:ea typeface="Times New Roman" panose="02020603050405020304" pitchFamily="18" charset="0"/>
+              </a:rPr>
+              <a:t>XDS Doc</a:t>
+            </a:r>
+            <a:endParaRPr kumimoji="0" lang="fr-FR" altLang="en-US" sz="1000" b="0" i="0" u="none" strike="noStrike" cap="none" normalizeH="0" baseline="0">
+              <a:ln>
+                <a:noFill/>
+              </a:ln>
+              <a:solidFill>
+                <a:schemeClr val="tx1"/>
+              </a:solidFill>
+              <a:effectLst/>
+              <a:latin typeface="Arial" panose="020B0604020202020204" pitchFamily="34" charset="0"/>
+            </a:endParaRPr>
+          </a:p>
+          <a:p>
+            <a:pPr marL="0" marR="0" lvl="0" indent="0" algn="l" defTabSz="914400" rtl="0" eaLnBrk="0" fontAlgn="base" latinLnBrk="0" hangingPunct="0">
+              <a:lnSpc>
+                <a:spcPct val="100000"/>
+              </a:lnSpc>
+              <a:spcBef>
+                <a:spcPct val="0"/>
+              </a:spcBef>
+              <a:spcAft>
+                <a:spcPct val="0"/>
+              </a:spcAft>
+              <a:buClrTx/>
+              <a:buSzTx/>
+              <a:buFontTx/>
+              <a:buNone/>
+              <a:tabLst/>
+            </a:pPr>
+            <a:endParaRPr kumimoji="0" lang="fr-FR" altLang="en-US" sz="1800" b="0" i="0" u="none" strike="noStrike" cap="none" normalizeH="0" baseline="0">
+              <a:ln>
+                <a:noFill/>
+              </a:ln>
+              <a:solidFill>
+                <a:schemeClr val="tx1"/>
+              </a:solidFill>
+              <a:effectLst/>
+              <a:latin typeface="Arial" panose="020B0604020202020204" pitchFamily="34" charset="0"/>
+            </a:endParaRPr>
+          </a:p>
+        </p:txBody>
+      </p:sp>
+      <p:sp>
+        <p:nvSpPr>
+          <p:cNvPr id="40" name="AutoShape 15">
+            <a:extLst>
+              <a:ext uri="{FF2B5EF4-FFF2-40B4-BE49-F238E27FC236}">
+                <a16:creationId xmlns:a16="http://schemas.microsoft.com/office/drawing/2014/main" id="{FAA48399-252D-C346-8B3C-1B3E7BB08F7A}"/>
+              </a:ext>
+            </a:extLst>
+          </p:cNvPr>
+          <p:cNvSpPr>
+            <a:spLocks noChangeArrowheads="1"/>
+          </p:cNvSpPr>
+          <p:nvPr/>
+        </p:nvSpPr>
+        <p:spPr bwMode="auto">
+          <a:xfrm flipV="1">
+            <a:off x="3143250" y="18459450"/>
+            <a:ext cx="2571750" cy="1714500"/>
+          </a:xfrm>
+          <a:prstGeom prst="foldedCorner">
+            <a:avLst>
+              <a:gd name="adj" fmla="val 12500"/>
+            </a:avLst>
+          </a:prstGeom>
+          <a:solidFill>
+            <a:srgbClr val="FFFFFF"/>
+          </a:solidFill>
+          <a:ln w="9525">
+            <a:solidFill>
+              <a:srgbClr val="000000"/>
+            </a:solidFill>
+            <a:round/>
+            <a:headEnd/>
+            <a:tailEnd/>
+          </a:ln>
+        </p:spPr>
+        <p:txBody>
+          <a:bodyPr vert="horz" wrap="square" lIns="91440" tIns="45720" rIns="91440" bIns="45720" numCol="1" anchor="t" anchorCtr="0" compatLnSpc="1">
+            <a:prstTxWarp prst="textNoShape">
+              <a:avLst/>
+            </a:prstTxWarp>
+          </a:bodyPr>
+          <a:lstStyle/>
+          <a:p>
+            <a:endParaRPr lang="en-US"/>
+          </a:p>
+        </p:txBody>
+      </p:sp>
+      <p:sp>
+        <p:nvSpPr>
+          <p:cNvPr id="41" name="Text Box 14">
+            <a:extLst>
+              <a:ext uri="{FF2B5EF4-FFF2-40B4-BE49-F238E27FC236}">
+                <a16:creationId xmlns:a16="http://schemas.microsoft.com/office/drawing/2014/main" id="{BF79218B-A2DB-0542-BB0A-73F37BFD7FCA}"/>
+              </a:ext>
+            </a:extLst>
+          </p:cNvPr>
+          <p:cNvSpPr txBox="1">
+            <a:spLocks noChangeArrowheads="1"/>
+          </p:cNvSpPr>
+          <p:nvPr/>
+        </p:nvSpPr>
+        <p:spPr bwMode="auto">
+          <a:xfrm>
+            <a:off x="3143250" y="20173950"/>
+            <a:ext cx="2571750" cy="1714500"/>
+          </a:xfrm>
+          <a:prstGeom prst="rect">
+            <a:avLst/>
+          </a:prstGeom>
+          <a:noFill/>
+          <a:ln>
+            <a:noFill/>
+          </a:ln>
+          <a:extLst>
+            <a:ext uri="{909E8E84-426E-40DD-AFC4-6F175D3DCCD1}">
+              <a14:hiddenFill xmlns:a14="http://schemas.microsoft.com/office/drawing/2010/main">
+                <a:solidFill>
+                  <a:srgbClr val="FFFFFF"/>
+                </a:solidFill>
+              </a14:hiddenFill>
+            </a:ext>
+            <a:ext uri="{91240B29-F687-4F45-9708-019B960494DF}">
+              <a14:hiddenLine xmlns:a14="http://schemas.microsoft.com/office/drawing/2010/main" w="9525">
+                <a:solidFill>
+                  <a:srgbClr val="000000"/>
+                </a:solidFill>
+                <a:miter lim="800000"/>
+                <a:headEnd/>
+                <a:tailEnd/>
+              </a14:hiddenLine>
+            </a:ext>
+          </a:extLst>
+        </p:spPr>
+        <p:txBody>
+          <a:bodyPr vert="horz" wrap="square" lIns="91440" tIns="45720" rIns="91440" bIns="45720" numCol="1" anchor="t" anchorCtr="0" compatLnSpc="1">
+            <a:prstTxWarp prst="textNoShape">
+              <a:avLst/>
+            </a:prstTxWarp>
+          </a:bodyPr>
+          <a:lstStyle/>
+          <a:p>
+            <a:pPr marL="0" marR="0" lvl="0" indent="0" algn="l" defTabSz="914400" rtl="0" eaLnBrk="0" fontAlgn="base" latinLnBrk="0" hangingPunct="0">
+              <a:lnSpc>
+                <a:spcPct val="100000"/>
+              </a:lnSpc>
+              <a:spcBef>
+                <a:spcPct val="0"/>
+              </a:spcBef>
+              <a:spcAft>
+                <a:spcPct val="0"/>
+              </a:spcAft>
+              <a:buClrTx/>
+              <a:buSzTx/>
+              <a:buFontTx/>
+              <a:buNone/>
+              <a:tabLst/>
+            </a:pPr>
+            <a:r>
+              <a:rPr kumimoji="0" lang="fr-FR" altLang="en-US" sz="1000" b="0" i="0" u="none" strike="noStrike" cap="none" normalizeH="0" baseline="0">
+                <a:ln>
+                  <a:noFill/>
+                </a:ln>
+                <a:solidFill>
+                  <a:schemeClr val="tx1"/>
+                </a:solidFill>
+                <a:effectLst/>
+                <a:latin typeface="Arial" panose="020B0604020202020204" pitchFamily="34" charset="0"/>
+                <a:ea typeface="Times New Roman" panose="02020603050405020304" pitchFamily="18" charset="0"/>
+              </a:rPr>
+              <a:t>XDS Doc</a:t>
+            </a:r>
+            <a:endParaRPr kumimoji="0" lang="fr-FR" altLang="en-US" sz="1000" b="0" i="0" u="none" strike="noStrike" cap="none" normalizeH="0" baseline="0">
+              <a:ln>
+                <a:noFill/>
+              </a:ln>
+              <a:solidFill>
+                <a:schemeClr val="tx1"/>
+              </a:solidFill>
+              <a:effectLst/>
+              <a:latin typeface="Arial" panose="020B0604020202020204" pitchFamily="34" charset="0"/>
+            </a:endParaRPr>
+          </a:p>
+          <a:p>
+            <a:pPr marL="0" marR="0" lvl="0" indent="0" algn="l" defTabSz="914400" rtl="0" eaLnBrk="0" fontAlgn="base" latinLnBrk="0" hangingPunct="0">
+              <a:lnSpc>
+                <a:spcPct val="100000"/>
+              </a:lnSpc>
+              <a:spcBef>
+                <a:spcPct val="0"/>
+              </a:spcBef>
+              <a:spcAft>
+                <a:spcPct val="0"/>
+              </a:spcAft>
+              <a:buClrTx/>
+              <a:buSzTx/>
+              <a:buFontTx/>
+              <a:buNone/>
+              <a:tabLst/>
+            </a:pPr>
+            <a:endParaRPr kumimoji="0" lang="fr-FR" altLang="en-US" sz="1800" b="0" i="0" u="none" strike="noStrike" cap="none" normalizeH="0" baseline="0">
+              <a:ln>
+                <a:noFill/>
+              </a:ln>
+              <a:solidFill>
+                <a:schemeClr val="tx1"/>
+              </a:solidFill>
+              <a:effectLst/>
+              <a:latin typeface="Arial" panose="020B0604020202020204" pitchFamily="34" charset="0"/>
+            </a:endParaRPr>
+          </a:p>
+        </p:txBody>
+      </p:sp>
+      <p:sp>
+        <p:nvSpPr>
+          <p:cNvPr id="42" name="Rectangle 45">
+            <a:extLst>
+              <a:ext uri="{FF2B5EF4-FFF2-40B4-BE49-F238E27FC236}">
+                <a16:creationId xmlns:a16="http://schemas.microsoft.com/office/drawing/2014/main" id="{45DBEA3F-DDA1-B94F-A488-1BC868BECE35}"/>
+              </a:ext>
+            </a:extLst>
+          </p:cNvPr>
+          <p:cNvSpPr>
+            <a:spLocks noChangeArrowheads="1"/>
+          </p:cNvSpPr>
+          <p:nvPr/>
+        </p:nvSpPr>
+        <p:spPr bwMode="auto">
+          <a:xfrm>
+            <a:off x="0" y="7315200"/>
+            <a:ext cx="12192000" cy="0"/>
+          </a:xfrm>
+          <a:prstGeom prst="rect">
+            <a:avLst/>
+          </a:prstGeom>
+          <a:noFill/>
+          <a:ln>
+            <a:noFill/>
+          </a:ln>
+          <a:effectLst/>
+          <a:extLst>
+            <a:ext uri="{909E8E84-426E-40DD-AFC4-6F175D3DCCD1}">
+              <a14:hiddenFill xmlns:a14="http://schemas.microsoft.com/office/drawing/2010/main">
+                <a:solidFill>
+                  <a:schemeClr val="accent1"/>
+                </a:solidFill>
+              </a14:hiddenFill>
+            </a:ext>
+            <a:ext uri="{91240B29-F687-4F45-9708-019B960494DF}">
+              <a14:hiddenLine xmlns:a14="http://schemas.microsoft.com/office/drawing/2010/main" w="9525">
+                <a:solidFill>
+                  <a:schemeClr val="tx1"/>
+                </a:solidFill>
+                <a:miter lim="800000"/>
+                <a:headEnd/>
+                <a:tailEnd/>
+              </a14:hiddenLine>
+            </a:ext>
+            <a:ext uri="{AF507438-7753-43E0-B8FC-AC1667EBCBE1}">
+              <a14:hiddenEffects xmlns:a14="http://schemas.microsoft.com/office/drawing/2010/main">
+                <a:effectLst>
+                  <a:outerShdw dist="35921" dir="2700000" algn="ctr" rotWithShape="0">
+                    <a:schemeClr val="bg2"/>
+                  </a:outerShdw>
+                </a:effectLst>
+              </a14:hiddenEffects>
+            </a:ext>
+          </a:extLst>
+        </p:spPr>
+        <p:txBody>
+          <a:bodyPr vert="horz" wrap="none" lIns="91440" tIns="45720" rIns="91440" bIns="45720" numCol="1" anchor="ctr" anchorCtr="0" compatLnSpc="1">
+            <a:prstTxWarp prst="textNoShape">
+              <a:avLst/>
+            </a:prstTxWarp>
+            <a:spAutoFit/>
+          </a:bodyPr>
+          <a:lstStyle/>
+          <a:p>
+            <a:pPr marL="0" marR="0" lvl="0" indent="0" algn="l" defTabSz="914400" rtl="0" eaLnBrk="0" fontAlgn="base" latinLnBrk="0" hangingPunct="0">
+              <a:lnSpc>
+                <a:spcPct val="100000"/>
+              </a:lnSpc>
+              <a:spcBef>
+                <a:spcPct val="0"/>
+              </a:spcBef>
+              <a:spcAft>
+                <a:spcPct val="0"/>
+              </a:spcAft>
+              <a:buClrTx/>
+              <a:buSzTx/>
+              <a:buFontTx/>
+              <a:buNone/>
+              <a:tabLst/>
+            </a:pPr>
+            <a:r>
+              <a:rPr kumimoji="0" lang="en-US" altLang="en-US" sz="1000" b="0" i="0" u="none" strike="noStrike" cap="none" normalizeH="0" baseline="0">
+                <a:ln>
+                  <a:noFill/>
+                </a:ln>
+                <a:solidFill>
+                  <a:schemeClr val="tx1"/>
+                </a:solidFill>
+                <a:effectLst/>
+                <a:latin typeface="Arial" panose="020B0604020202020204" pitchFamily="34" charset="0"/>
+              </a:rPr>
+              <a:t> </a:t>
+            </a:r>
+            <a:endParaRPr kumimoji="0" lang="en-US" altLang="en-US" sz="1800" b="0" i="0" u="none" strike="noStrike" cap="none" normalizeH="0" baseline="0">
+              <a:ln>
+                <a:noFill/>
+              </a:ln>
+              <a:solidFill>
+                <a:schemeClr val="tx1"/>
+              </a:solidFill>
+              <a:effectLst/>
+              <a:latin typeface="Arial" panose="020B0604020202020204" pitchFamily="34" charset="0"/>
+            </a:endParaRPr>
+          </a:p>
+        </p:txBody>
+      </p:sp>
+      <p:sp>
+        <p:nvSpPr>
+          <p:cNvPr id="43" name="AutoShape 11">
+            <a:extLst>
+              <a:ext uri="{FF2B5EF4-FFF2-40B4-BE49-F238E27FC236}">
+                <a16:creationId xmlns:a16="http://schemas.microsoft.com/office/drawing/2014/main" id="{9CC4CAEF-2724-484D-9527-2DA80E264423}"/>
+              </a:ext>
+            </a:extLst>
+          </p:cNvPr>
+          <p:cNvSpPr>
+            <a:spLocks noChangeArrowheads="1"/>
+          </p:cNvSpPr>
+          <p:nvPr/>
+        </p:nvSpPr>
+        <p:spPr bwMode="auto">
+          <a:xfrm>
+            <a:off x="9144000" y="21031200"/>
+            <a:ext cx="2571750" cy="1714500"/>
+          </a:xfrm>
+          <a:prstGeom prst="rightArrowCallout">
+            <a:avLst>
+              <a:gd name="adj1" fmla="val 25000"/>
+              <a:gd name="adj2" fmla="val 25000"/>
+              <a:gd name="adj3" fmla="val 25000"/>
+              <a:gd name="adj4" fmla="val 66667"/>
+            </a:avLst>
+          </a:prstGeom>
+          <a:solidFill>
+            <a:srgbClr val="FFFFFF"/>
+          </a:solidFill>
+          <a:ln w="9525">
+            <a:solidFill>
+              <a:srgbClr val="000000"/>
+            </a:solidFill>
+            <a:miter lim="800000"/>
+            <a:headEnd/>
+            <a:tailEnd/>
+          </a:ln>
+        </p:spPr>
+        <p:txBody>
+          <a:bodyPr vert="horz" wrap="square" lIns="91440" tIns="45720" rIns="91440" bIns="45720" numCol="1" anchor="t" anchorCtr="0" compatLnSpc="1">
+            <a:prstTxWarp prst="textNoShape">
+              <a:avLst/>
+            </a:prstTxWarp>
+          </a:bodyPr>
+          <a:lstStyle/>
+          <a:p>
+            <a:endParaRPr lang="en-US"/>
+          </a:p>
+        </p:txBody>
+      </p:sp>
+      <p:sp>
+        <p:nvSpPr>
+          <p:cNvPr id="44" name="Text Box 10">
+            <a:extLst>
+              <a:ext uri="{FF2B5EF4-FFF2-40B4-BE49-F238E27FC236}">
+                <a16:creationId xmlns:a16="http://schemas.microsoft.com/office/drawing/2014/main" id="{A4F0040E-CD64-8A46-ABC3-9FD09583BB5D}"/>
+              </a:ext>
+            </a:extLst>
+          </p:cNvPr>
+          <p:cNvSpPr txBox="1">
+            <a:spLocks noChangeArrowheads="1"/>
+          </p:cNvSpPr>
+          <p:nvPr/>
+        </p:nvSpPr>
+        <p:spPr bwMode="auto">
+          <a:xfrm>
+            <a:off x="9144000" y="23317200"/>
+            <a:ext cx="2571750" cy="1428750"/>
+          </a:xfrm>
+          <a:prstGeom prst="rect">
+            <a:avLst/>
+          </a:prstGeom>
+          <a:noFill/>
+          <a:ln>
+            <a:noFill/>
+          </a:ln>
+          <a:extLst>
+            <a:ext uri="{909E8E84-426E-40DD-AFC4-6F175D3DCCD1}">
+              <a14:hiddenFill xmlns:a14="http://schemas.microsoft.com/office/drawing/2010/main">
+                <a:solidFill>
+                  <a:srgbClr val="FFFFFF"/>
+                </a:solidFill>
+              </a14:hiddenFill>
+            </a:ext>
+            <a:ext uri="{91240B29-F687-4F45-9708-019B960494DF}">
+              <a14:hiddenLine xmlns:a14="http://schemas.microsoft.com/office/drawing/2010/main" w="9525">
+                <a:solidFill>
+                  <a:srgbClr val="000000"/>
+                </a:solidFill>
+                <a:miter lim="800000"/>
+                <a:headEnd/>
+                <a:tailEnd/>
+              </a14:hiddenLine>
+            </a:ext>
+          </a:extLst>
+        </p:spPr>
+        <p:txBody>
+          <a:bodyPr vert="horz" wrap="square" lIns="91440" tIns="45720" rIns="91440" bIns="45720" numCol="1" anchor="t" anchorCtr="0" compatLnSpc="1">
+            <a:prstTxWarp prst="textNoShape">
+              <a:avLst/>
+            </a:prstTxWarp>
+          </a:bodyPr>
+          <a:lstStyle/>
+          <a:p>
+            <a:pPr marL="0" marR="0" lvl="0" indent="0" algn="l" defTabSz="914400" rtl="0" eaLnBrk="0" fontAlgn="base" latinLnBrk="0" hangingPunct="0">
+              <a:lnSpc>
+                <a:spcPct val="100000"/>
+              </a:lnSpc>
+              <a:spcBef>
+                <a:spcPct val="0"/>
+              </a:spcBef>
+              <a:spcAft>
+                <a:spcPct val="0"/>
+              </a:spcAft>
+              <a:buClrTx/>
+              <a:buSzTx/>
+              <a:buFontTx/>
+              <a:buNone/>
+              <a:tabLst/>
+            </a:pPr>
+            <a:r>
+              <a:rPr kumimoji="0" lang="en-US" altLang="en-US" sz="1000" b="0" i="0" u="none" strike="noStrike" cap="none" normalizeH="0" baseline="0">
+                <a:ln>
+                  <a:noFill/>
+                </a:ln>
+                <a:solidFill>
+                  <a:schemeClr val="tx1"/>
+                </a:solidFill>
+                <a:effectLst/>
+                <a:latin typeface="Arial" panose="020B0604020202020204" pitchFamily="34" charset="0"/>
+                <a:ea typeface="Times New Roman" panose="02020603050405020304" pitchFamily="18" charset="0"/>
+              </a:rPr>
+              <a:t>XDS Doc Entry</a:t>
+            </a:r>
+            <a:endParaRPr kumimoji="0" lang="en-US" altLang="en-US" sz="1000" b="0" i="0" u="none" strike="noStrike" cap="none" normalizeH="0" baseline="0">
+              <a:ln>
+                <a:noFill/>
+              </a:ln>
+              <a:solidFill>
+                <a:schemeClr val="tx1"/>
+              </a:solidFill>
+              <a:effectLst/>
+              <a:latin typeface="Arial" panose="020B0604020202020204" pitchFamily="34" charset="0"/>
+            </a:endParaRPr>
+          </a:p>
+          <a:p>
+            <a:pPr marL="0" marR="0" lvl="0" indent="0" algn="l" defTabSz="914400" rtl="0" eaLnBrk="0" fontAlgn="base" latinLnBrk="0" hangingPunct="0">
+              <a:lnSpc>
+                <a:spcPct val="100000"/>
+              </a:lnSpc>
+              <a:spcBef>
+                <a:spcPct val="0"/>
+              </a:spcBef>
+              <a:spcAft>
+                <a:spcPct val="0"/>
+              </a:spcAft>
+              <a:buClrTx/>
+              <a:buSzTx/>
+              <a:buFontTx/>
+              <a:buNone/>
+              <a:tabLst/>
+            </a:pPr>
+            <a:r>
+              <a:rPr kumimoji="0" lang="de-DE" altLang="en-US" sz="1000" b="1" i="0" u="none" strike="noStrike" cap="none" normalizeH="0" baseline="0">
+                <a:ln>
+                  <a:noFill/>
+                </a:ln>
+                <a:solidFill>
+                  <a:schemeClr val="tx1"/>
+                </a:solidFill>
+                <a:effectLst/>
+                <a:latin typeface="Arial" panose="020B0604020202020204" pitchFamily="34" charset="0"/>
+                <a:ea typeface="Times New Roman" panose="02020603050405020304" pitchFamily="18" charset="0"/>
+              </a:rPr>
+              <a:t>Dm=XAD</a:t>
+            </a:r>
+            <a:endParaRPr kumimoji="0" lang="de-DE" altLang="en-US" sz="1000" b="0" i="0" u="none" strike="noStrike" cap="none" normalizeH="0" baseline="0">
+              <a:ln>
+                <a:noFill/>
+              </a:ln>
+              <a:solidFill>
+                <a:schemeClr val="tx1"/>
+              </a:solidFill>
+              <a:effectLst/>
+              <a:latin typeface="Arial" panose="020B0604020202020204" pitchFamily="34" charset="0"/>
+            </a:endParaRPr>
+          </a:p>
+          <a:p>
+            <a:pPr marL="0" marR="0" lvl="0" indent="0" algn="l" defTabSz="914400" rtl="0" eaLnBrk="0" fontAlgn="base" latinLnBrk="0" hangingPunct="0">
+              <a:lnSpc>
+                <a:spcPct val="100000"/>
+              </a:lnSpc>
+              <a:spcBef>
+                <a:spcPct val="0"/>
+              </a:spcBef>
+              <a:spcAft>
+                <a:spcPct val="0"/>
+              </a:spcAft>
+              <a:buClrTx/>
+              <a:buSzTx/>
+              <a:buFontTx/>
+              <a:buNone/>
+              <a:tabLst/>
+            </a:pPr>
+            <a:r>
+              <a:rPr kumimoji="0" lang="de-DE" altLang="en-US" sz="1000" b="1" i="0" u="none" strike="noStrike" cap="none" normalizeH="0" baseline="0">
+                <a:ln>
+                  <a:noFill/>
+                </a:ln>
+                <a:solidFill>
+                  <a:schemeClr val="tx1"/>
+                </a:solidFill>
+                <a:effectLst/>
+                <a:latin typeface="Arial" panose="020B0604020202020204" pitchFamily="34" charset="0"/>
+                <a:ea typeface="Times New Roman" panose="02020603050405020304" pitchFamily="18" charset="0"/>
+              </a:rPr>
+              <a:t>Pid=Px</a:t>
+            </a:r>
+            <a:endParaRPr kumimoji="0" lang="de-DE" altLang="en-US" sz="1800" b="0" i="0" u="none" strike="noStrike" cap="none" normalizeH="0" baseline="0">
+              <a:ln>
+                <a:noFill/>
+              </a:ln>
+              <a:solidFill>
+                <a:schemeClr val="tx1"/>
+              </a:solidFill>
+              <a:effectLst/>
+              <a:latin typeface="Arial" panose="020B0604020202020204" pitchFamily="34" charset="0"/>
+            </a:endParaRPr>
+          </a:p>
+        </p:txBody>
+      </p:sp>
+      <p:sp>
+        <p:nvSpPr>
+          <p:cNvPr id="45" name="AutoShape 9">
+            <a:extLst>
+              <a:ext uri="{FF2B5EF4-FFF2-40B4-BE49-F238E27FC236}">
+                <a16:creationId xmlns:a16="http://schemas.microsoft.com/office/drawing/2014/main" id="{5F970ADD-F7D2-A846-A1BF-F2A52020579F}"/>
+              </a:ext>
+            </a:extLst>
+          </p:cNvPr>
+          <p:cNvSpPr>
+            <a:spLocks noChangeArrowheads="1"/>
+          </p:cNvSpPr>
+          <p:nvPr/>
+        </p:nvSpPr>
+        <p:spPr bwMode="auto">
+          <a:xfrm>
+            <a:off x="9144000" y="24174450"/>
+            <a:ext cx="2571750" cy="1714500"/>
+          </a:xfrm>
+          <a:prstGeom prst="rightArrowCallout">
+            <a:avLst>
+              <a:gd name="adj1" fmla="val 25000"/>
+              <a:gd name="adj2" fmla="val 25000"/>
+              <a:gd name="adj3" fmla="val 25000"/>
+              <a:gd name="adj4" fmla="val 66667"/>
+            </a:avLst>
+          </a:prstGeom>
+          <a:solidFill>
+            <a:srgbClr val="FFFFFF"/>
+          </a:solidFill>
+          <a:ln w="9525">
+            <a:solidFill>
+              <a:srgbClr val="000000"/>
+            </a:solidFill>
+            <a:miter lim="800000"/>
+            <a:headEnd/>
+            <a:tailEnd/>
+          </a:ln>
+        </p:spPr>
+        <p:txBody>
+          <a:bodyPr vert="horz" wrap="square" lIns="91440" tIns="45720" rIns="91440" bIns="45720" numCol="1" anchor="t" anchorCtr="0" compatLnSpc="1">
+            <a:prstTxWarp prst="textNoShape">
+              <a:avLst/>
+            </a:prstTxWarp>
+          </a:bodyPr>
+          <a:lstStyle/>
+          <a:p>
+            <a:endParaRPr lang="en-US"/>
+          </a:p>
+        </p:txBody>
+      </p:sp>
+      <p:sp>
+        <p:nvSpPr>
+          <p:cNvPr id="46" name="Text Box 8">
+            <a:extLst>
+              <a:ext uri="{FF2B5EF4-FFF2-40B4-BE49-F238E27FC236}">
+                <a16:creationId xmlns:a16="http://schemas.microsoft.com/office/drawing/2014/main" id="{7E822A0F-679F-6048-85F8-B781DDA671CA}"/>
+              </a:ext>
+            </a:extLst>
+          </p:cNvPr>
+          <p:cNvSpPr txBox="1">
+            <a:spLocks noChangeArrowheads="1"/>
+          </p:cNvSpPr>
+          <p:nvPr/>
+        </p:nvSpPr>
+        <p:spPr bwMode="auto">
+          <a:xfrm>
+            <a:off x="9144000" y="26460450"/>
+            <a:ext cx="2571750" cy="1428750"/>
+          </a:xfrm>
+          <a:prstGeom prst="rect">
+            <a:avLst/>
+          </a:prstGeom>
+          <a:noFill/>
+          <a:ln>
+            <a:noFill/>
+          </a:ln>
+          <a:extLst>
+            <a:ext uri="{909E8E84-426E-40DD-AFC4-6F175D3DCCD1}">
+              <a14:hiddenFill xmlns:a14="http://schemas.microsoft.com/office/drawing/2010/main">
+                <a:solidFill>
+                  <a:srgbClr val="FFFFFF"/>
+                </a:solidFill>
+              </a14:hiddenFill>
+            </a:ext>
+            <a:ext uri="{91240B29-F687-4F45-9708-019B960494DF}">
+              <a14:hiddenLine xmlns:a14="http://schemas.microsoft.com/office/drawing/2010/main" w="9525">
+                <a:solidFill>
+                  <a:srgbClr val="000000"/>
+                </a:solidFill>
+                <a:miter lim="800000"/>
+                <a:headEnd/>
+                <a:tailEnd/>
+              </a14:hiddenLine>
+            </a:ext>
+          </a:extLst>
+        </p:spPr>
+        <p:txBody>
+          <a:bodyPr vert="horz" wrap="square" lIns="91440" tIns="45720" rIns="91440" bIns="45720" numCol="1" anchor="t" anchorCtr="0" compatLnSpc="1">
+            <a:prstTxWarp prst="textNoShape">
+              <a:avLst/>
+            </a:prstTxWarp>
+          </a:bodyPr>
+          <a:lstStyle/>
+          <a:p>
+            <a:pPr marL="0" marR="0" lvl="0" indent="0" algn="l" defTabSz="914400" rtl="0" eaLnBrk="0" fontAlgn="base" latinLnBrk="0" hangingPunct="0">
+              <a:lnSpc>
+                <a:spcPct val="100000"/>
+              </a:lnSpc>
+              <a:spcBef>
+                <a:spcPct val="0"/>
+              </a:spcBef>
+              <a:spcAft>
+                <a:spcPct val="0"/>
+              </a:spcAft>
+              <a:buClrTx/>
+              <a:buSzTx/>
+              <a:buFontTx/>
+              <a:buNone/>
+              <a:tabLst/>
+            </a:pPr>
+            <a:r>
+              <a:rPr kumimoji="0" lang="it-IT" altLang="en-US" sz="1000" b="0" i="0" u="none" strike="noStrike" cap="none" normalizeH="0" baseline="0">
+                <a:ln>
+                  <a:noFill/>
+                </a:ln>
+                <a:solidFill>
+                  <a:schemeClr val="tx1"/>
+                </a:solidFill>
+                <a:effectLst/>
+                <a:latin typeface="Arial" panose="020B0604020202020204" pitchFamily="34" charset="0"/>
+                <a:ea typeface="Times New Roman" panose="02020603050405020304" pitchFamily="18" charset="0"/>
+              </a:rPr>
+              <a:t>XDS Doc Entry</a:t>
+            </a:r>
+            <a:endParaRPr kumimoji="0" lang="it-IT" altLang="en-US" sz="1000" b="0" i="0" u="none" strike="noStrike" cap="none" normalizeH="0" baseline="0">
+              <a:ln>
+                <a:noFill/>
+              </a:ln>
+              <a:solidFill>
+                <a:schemeClr val="tx1"/>
+              </a:solidFill>
+              <a:effectLst/>
+              <a:latin typeface="Arial" panose="020B0604020202020204" pitchFamily="34" charset="0"/>
+            </a:endParaRPr>
+          </a:p>
+          <a:p>
+            <a:pPr marL="0" marR="0" lvl="0" indent="0" algn="l" defTabSz="914400" rtl="0" eaLnBrk="0" fontAlgn="base" latinLnBrk="0" hangingPunct="0">
+              <a:lnSpc>
+                <a:spcPct val="100000"/>
+              </a:lnSpc>
+              <a:spcBef>
+                <a:spcPct val="0"/>
+              </a:spcBef>
+              <a:spcAft>
+                <a:spcPct val="0"/>
+              </a:spcAft>
+              <a:buClrTx/>
+              <a:buSzTx/>
+              <a:buFontTx/>
+              <a:buNone/>
+              <a:tabLst/>
+            </a:pPr>
+            <a:r>
+              <a:rPr kumimoji="0" lang="de-DE" altLang="en-US" sz="1000" b="1" i="0" u="none" strike="noStrike" cap="none" normalizeH="0" baseline="0">
+                <a:ln>
+                  <a:noFill/>
+                </a:ln>
+                <a:solidFill>
+                  <a:schemeClr val="tx1"/>
+                </a:solidFill>
+                <a:effectLst/>
+                <a:latin typeface="Arial" panose="020B0604020202020204" pitchFamily="34" charset="0"/>
+                <a:ea typeface="Times New Roman" panose="02020603050405020304" pitchFamily="18" charset="0"/>
+              </a:rPr>
+              <a:t>Dm=XAD</a:t>
+            </a:r>
+            <a:endParaRPr kumimoji="0" lang="de-DE" altLang="en-US" sz="1000" b="0" i="0" u="none" strike="noStrike" cap="none" normalizeH="0" baseline="0">
+              <a:ln>
+                <a:noFill/>
+              </a:ln>
+              <a:solidFill>
+                <a:schemeClr val="tx1"/>
+              </a:solidFill>
+              <a:effectLst/>
+              <a:latin typeface="Arial" panose="020B0604020202020204" pitchFamily="34" charset="0"/>
+            </a:endParaRPr>
+          </a:p>
+          <a:p>
+            <a:pPr marL="0" marR="0" lvl="0" indent="0" algn="l" defTabSz="914400" rtl="0" eaLnBrk="0" fontAlgn="base" latinLnBrk="0" hangingPunct="0">
+              <a:lnSpc>
+                <a:spcPct val="100000"/>
+              </a:lnSpc>
+              <a:spcBef>
+                <a:spcPct val="0"/>
+              </a:spcBef>
+              <a:spcAft>
+                <a:spcPct val="0"/>
+              </a:spcAft>
+              <a:buClrTx/>
+              <a:buSzTx/>
+              <a:buFontTx/>
+              <a:buNone/>
+              <a:tabLst/>
+            </a:pPr>
+            <a:r>
+              <a:rPr kumimoji="0" lang="de-DE" altLang="en-US" sz="1000" b="1" i="0" u="none" strike="noStrike" cap="none" normalizeH="0" baseline="0">
+                <a:ln>
+                  <a:noFill/>
+                </a:ln>
+                <a:solidFill>
+                  <a:schemeClr val="tx1"/>
+                </a:solidFill>
+                <a:effectLst/>
+                <a:latin typeface="Arial" panose="020B0604020202020204" pitchFamily="34" charset="0"/>
+                <a:ea typeface="Times New Roman" panose="02020603050405020304" pitchFamily="18" charset="0"/>
+              </a:rPr>
+              <a:t>Pid=Px</a:t>
+            </a:r>
+            <a:endParaRPr kumimoji="0" lang="de-DE" altLang="en-US" sz="1800" b="0" i="0" u="none" strike="noStrike" cap="none" normalizeH="0" baseline="0">
+              <a:ln>
+                <a:noFill/>
+              </a:ln>
+              <a:solidFill>
+                <a:schemeClr val="tx1"/>
+              </a:solidFill>
+              <a:effectLst/>
+              <a:latin typeface="Arial" panose="020B0604020202020204" pitchFamily="34" charset="0"/>
+            </a:endParaRPr>
+          </a:p>
+        </p:txBody>
+      </p:sp>
+      <p:sp>
+        <p:nvSpPr>
+          <p:cNvPr id="2" name="Right Arrow Callout 1">
+            <a:extLst>
+              <a:ext uri="{FF2B5EF4-FFF2-40B4-BE49-F238E27FC236}">
+                <a16:creationId xmlns:a16="http://schemas.microsoft.com/office/drawing/2014/main" id="{D12DA857-5CCB-C445-9932-327F001B0882}"/>
+              </a:ext>
+            </a:extLst>
+          </p:cNvPr>
+          <p:cNvSpPr/>
+          <p:nvPr/>
+        </p:nvSpPr>
+        <p:spPr>
+          <a:xfrm>
+            <a:off x="847725" y="4340225"/>
+            <a:ext cx="1235192" cy="555626"/>
+          </a:xfrm>
+          <a:prstGeom prst="rightArrowCallout">
+            <a:avLst/>
+          </a:prstGeom>
+          <a:solidFill>
+            <a:schemeClr val="bg1"/>
+          </a:solidFill>
+          <a:ln>
+            <a:solidFill>
+              <a:schemeClr val="tx1"/>
+            </a:solidFill>
+          </a:ln>
+        </p:spPr>
+        <p:style>
+          <a:lnRef idx="2">
+            <a:schemeClr val="accent1">
+              <a:shade val="50000"/>
+            </a:schemeClr>
+          </a:lnRef>
+          <a:fillRef idx="1">
+            <a:schemeClr val="accent1"/>
+          </a:fillRef>
+          <a:effectRef idx="0">
+            <a:schemeClr val="accent1"/>
+          </a:effectRef>
+          <a:fontRef idx="minor">
+            <a:schemeClr val="lt1"/>
+          </a:fontRef>
+        </p:style>
+        <p:txBody>
+          <a:bodyPr rtlCol="0" anchor="ctr"/>
+          <a:lstStyle/>
+          <a:p>
+            <a:pPr algn="ctr"/>
+            <a:endParaRPr lang="en-US"/>
+          </a:p>
+        </p:txBody>
+      </p:sp>
+      <p:sp>
+        <p:nvSpPr>
+          <p:cNvPr id="47" name="Right Arrow Callout 46">
+            <a:extLst>
+              <a:ext uri="{FF2B5EF4-FFF2-40B4-BE49-F238E27FC236}">
+                <a16:creationId xmlns:a16="http://schemas.microsoft.com/office/drawing/2014/main" id="{40E9A386-E5FB-F740-B0F1-C61A0ACAD9B2}"/>
+              </a:ext>
+            </a:extLst>
+          </p:cNvPr>
+          <p:cNvSpPr/>
+          <p:nvPr/>
+        </p:nvSpPr>
+        <p:spPr>
+          <a:xfrm>
+            <a:off x="3338396" y="3648018"/>
+            <a:ext cx="1163943" cy="914400"/>
+          </a:xfrm>
+          <a:prstGeom prst="rightArrowCallout">
+            <a:avLst/>
+          </a:prstGeom>
+          <a:noFill/>
+          <a:ln>
+            <a:solidFill>
+              <a:schemeClr val="tx1"/>
+            </a:solidFill>
+          </a:ln>
+        </p:spPr>
+        <p:style>
+          <a:lnRef idx="2">
+            <a:schemeClr val="accent1">
+              <a:shade val="50000"/>
+            </a:schemeClr>
+          </a:lnRef>
+          <a:fillRef idx="1">
+            <a:schemeClr val="accent1"/>
+          </a:fillRef>
+          <a:effectRef idx="0">
+            <a:schemeClr val="accent1"/>
+          </a:effectRef>
+          <a:fontRef idx="minor">
+            <a:schemeClr val="lt1"/>
+          </a:fontRef>
+        </p:style>
+        <p:txBody>
+          <a:bodyPr rtlCol="0" anchor="ctr"/>
+          <a:lstStyle/>
+          <a:p>
+            <a:pPr algn="ctr"/>
+            <a:endParaRPr lang="en-US"/>
+          </a:p>
+        </p:txBody>
+      </p:sp>
+      <p:sp>
+        <p:nvSpPr>
+          <p:cNvPr id="3" name="TextBox 2">
+            <a:extLst>
+              <a:ext uri="{FF2B5EF4-FFF2-40B4-BE49-F238E27FC236}">
+                <a16:creationId xmlns:a16="http://schemas.microsoft.com/office/drawing/2014/main" id="{F3D64BD4-CB55-994F-B2FD-23A1CC489B0D}"/>
+              </a:ext>
+            </a:extLst>
+          </p:cNvPr>
+          <p:cNvSpPr txBox="1"/>
+          <p:nvPr/>
+        </p:nvSpPr>
+        <p:spPr>
+          <a:xfrm>
+            <a:off x="771524" y="4367212"/>
+            <a:ext cx="1378141" cy="553998"/>
+          </a:xfrm>
+          <a:prstGeom prst="rect">
+            <a:avLst/>
+          </a:prstGeom>
+          <a:noFill/>
+        </p:spPr>
+        <p:txBody>
+          <a:bodyPr wrap="square" rtlCol="0">
+            <a:spAutoFit/>
+          </a:bodyPr>
+          <a:lstStyle/>
+          <a:p>
+            <a:r>
+              <a:rPr lang="en-US" sz="1000" dirty="0">
+                <a:latin typeface="Times New Roman" panose="02020603050405020304" pitchFamily="18" charset="0"/>
+                <a:cs typeface="Times New Roman" panose="02020603050405020304" pitchFamily="18" charset="0"/>
+              </a:rPr>
+              <a:t>XDS Doc Entry</a:t>
+            </a:r>
+          </a:p>
+          <a:p>
+            <a:r>
+              <a:rPr lang="en-US" sz="1000" b="1" dirty="0">
+                <a:latin typeface="Times New Roman" panose="02020603050405020304" pitchFamily="18" charset="0"/>
+                <a:cs typeface="Times New Roman" panose="02020603050405020304" pitchFamily="18" charset="0"/>
+              </a:rPr>
+              <a:t>Dm=XAD</a:t>
+            </a:r>
+          </a:p>
+          <a:p>
+            <a:r>
+              <a:rPr lang="en-US" sz="1000" b="1" dirty="0" err="1">
+                <a:latin typeface="Times New Roman" panose="02020603050405020304" pitchFamily="18" charset="0"/>
+                <a:cs typeface="Times New Roman" panose="02020603050405020304" pitchFamily="18" charset="0"/>
+              </a:rPr>
+              <a:t>Pid</a:t>
+            </a:r>
+            <a:r>
+              <a:rPr lang="en-US" sz="1000" b="1" dirty="0">
+                <a:latin typeface="Times New Roman" panose="02020603050405020304" pitchFamily="18" charset="0"/>
+                <a:cs typeface="Times New Roman" panose="02020603050405020304" pitchFamily="18" charset="0"/>
+              </a:rPr>
+              <a:t>=px</a:t>
+            </a:r>
+          </a:p>
+        </p:txBody>
+      </p:sp>
+      <p:sp>
+        <p:nvSpPr>
+          <p:cNvPr id="49" name="Rectangle 48">
+            <a:extLst>
+              <a:ext uri="{FF2B5EF4-FFF2-40B4-BE49-F238E27FC236}">
+                <a16:creationId xmlns:a16="http://schemas.microsoft.com/office/drawing/2014/main" id="{135EFF64-07B5-F746-A763-9D0938981514}"/>
+              </a:ext>
+            </a:extLst>
+          </p:cNvPr>
+          <p:cNvSpPr/>
+          <p:nvPr/>
+        </p:nvSpPr>
+        <p:spPr>
+          <a:xfrm>
+            <a:off x="3338271" y="3956677"/>
+            <a:ext cx="1147879" cy="553998"/>
+          </a:xfrm>
+          <a:prstGeom prst="rect">
+            <a:avLst/>
+          </a:prstGeom>
+        </p:spPr>
+        <p:txBody>
+          <a:bodyPr wrap="square">
+            <a:spAutoFit/>
+          </a:bodyPr>
+          <a:lstStyle/>
+          <a:p>
+            <a:r>
+              <a:rPr lang="en-US" sz="1000" dirty="0">
+                <a:latin typeface="Times New Roman" panose="02020603050405020304" pitchFamily="18" charset="0"/>
+                <a:cs typeface="Times New Roman" panose="02020603050405020304" pitchFamily="18" charset="0"/>
+              </a:rPr>
+              <a:t>XDS Doc Entry</a:t>
+            </a:r>
+          </a:p>
+          <a:p>
+            <a:r>
+              <a:rPr lang="en-US" sz="1000" b="1" dirty="0">
+                <a:latin typeface="Times New Roman" panose="02020603050405020304" pitchFamily="18" charset="0"/>
+                <a:cs typeface="Times New Roman" panose="02020603050405020304" pitchFamily="18" charset="0"/>
+              </a:rPr>
+              <a:t>Dm=XAD</a:t>
+            </a:r>
+          </a:p>
+          <a:p>
+            <a:r>
+              <a:rPr lang="en-US" sz="1000" b="1" dirty="0" err="1">
+                <a:latin typeface="Times New Roman" panose="02020603050405020304" pitchFamily="18" charset="0"/>
+                <a:cs typeface="Times New Roman" panose="02020603050405020304" pitchFamily="18" charset="0"/>
+              </a:rPr>
+              <a:t>Pid</a:t>
+            </a:r>
+            <a:r>
+              <a:rPr lang="en-US" sz="1000" b="1" dirty="0">
+                <a:latin typeface="Times New Roman" panose="02020603050405020304" pitchFamily="18" charset="0"/>
+                <a:cs typeface="Times New Roman" panose="02020603050405020304" pitchFamily="18" charset="0"/>
+              </a:rPr>
+              <a:t>=px</a:t>
+            </a:r>
+          </a:p>
+        </p:txBody>
+      </p:sp>
+      <p:sp>
+        <p:nvSpPr>
           <p:cNvPr id="34" name="Freeform 33">
             <a:extLst>
               <a:ext uri="{FF2B5EF4-FFF2-40B4-BE49-F238E27FC236}">
@@ -6309,7 +7941,7 @@
         </p:nvSpPr>
         <p:spPr bwMode="auto">
           <a:xfrm flipH="1">
-            <a:off x="638175" y="4806950"/>
+            <a:off x="347779" y="4719291"/>
             <a:ext cx="476250" cy="285750"/>
           </a:xfrm>
           <a:custGeom>
@@ -6400,1243 +8032,185 @@
       </p:sp>
       <p:sp>
         <p:nvSpPr>
-          <p:cNvPr id="35" name="Rectangle 40">
-            <a:extLst>
-              <a:ext uri="{FF2B5EF4-FFF2-40B4-BE49-F238E27FC236}">
-                <a16:creationId xmlns:a16="http://schemas.microsoft.com/office/drawing/2014/main" id="{2541B82F-8DB0-6643-9C71-8C1722A39DD8}"/>
-              </a:ext>
-            </a:extLst>
-          </p:cNvPr>
-          <p:cNvSpPr>
-            <a:spLocks noChangeArrowheads="1"/>
-          </p:cNvSpPr>
+          <p:cNvPr id="50" name="Folded Corner 49">
+            <a:extLst>
+              <a:ext uri="{FF2B5EF4-FFF2-40B4-BE49-F238E27FC236}">
+                <a16:creationId xmlns:a16="http://schemas.microsoft.com/office/drawing/2014/main" id="{A4FDB2D1-6678-B949-9DB3-F771BFDF8A72}"/>
+              </a:ext>
+            </a:extLst>
+          </p:cNvPr>
+          <p:cNvSpPr/>
           <p:nvPr/>
         </p:nvSpPr>
-        <p:spPr bwMode="auto">
+        <p:spPr>
+          <a:xfrm flipV="1">
+            <a:off x="3992336" y="5574623"/>
+            <a:ext cx="452781" cy="449935"/>
+          </a:xfrm>
+          <a:prstGeom prst="foldedCorner">
+            <a:avLst/>
+          </a:prstGeom>
+          <a:solidFill>
+            <a:schemeClr val="bg1"/>
+          </a:solidFill>
+          <a:ln>
+            <a:solidFill>
+              <a:schemeClr val="tx1"/>
+            </a:solidFill>
+          </a:ln>
+        </p:spPr>
+        <p:style>
+          <a:lnRef idx="2">
+            <a:schemeClr val="accent1">
+              <a:shade val="50000"/>
+            </a:schemeClr>
+          </a:lnRef>
+          <a:fillRef idx="1">
+            <a:schemeClr val="accent1"/>
+          </a:fillRef>
+          <a:effectRef idx="0">
+            <a:schemeClr val="accent1"/>
+          </a:effectRef>
+          <a:fontRef idx="minor">
+            <a:schemeClr val="lt1"/>
+          </a:fontRef>
+        </p:style>
+        <p:txBody>
+          <a:bodyPr rtlCol="0" anchor="ctr"/>
+          <a:lstStyle/>
+          <a:p>
+            <a:pPr algn="ctr"/>
+            <a:endParaRPr lang="en-US" dirty="0"/>
+          </a:p>
+        </p:txBody>
+      </p:sp>
+      <p:sp>
+        <p:nvSpPr>
+          <p:cNvPr id="52" name="Folded Corner 51">
+            <a:extLst>
+              <a:ext uri="{FF2B5EF4-FFF2-40B4-BE49-F238E27FC236}">
+                <a16:creationId xmlns:a16="http://schemas.microsoft.com/office/drawing/2014/main" id="{B92E67FC-B766-594A-98EB-3523AEB2A73F}"/>
+              </a:ext>
+            </a:extLst>
+          </p:cNvPr>
+          <p:cNvSpPr/>
+          <p:nvPr/>
+        </p:nvSpPr>
+        <p:spPr>
+          <a:xfrm flipV="1">
+            <a:off x="1125763" y="5059367"/>
+            <a:ext cx="452781" cy="449935"/>
+          </a:xfrm>
+          <a:prstGeom prst="foldedCorner">
+            <a:avLst/>
+          </a:prstGeom>
+          <a:solidFill>
+            <a:schemeClr val="bg1"/>
+          </a:solidFill>
+          <a:ln>
+            <a:solidFill>
+              <a:schemeClr val="tx1"/>
+            </a:solidFill>
+          </a:ln>
+        </p:spPr>
+        <p:style>
+          <a:lnRef idx="2">
+            <a:schemeClr val="accent1">
+              <a:shade val="50000"/>
+            </a:schemeClr>
+          </a:lnRef>
+          <a:fillRef idx="1">
+            <a:schemeClr val="accent1"/>
+          </a:fillRef>
+          <a:effectRef idx="0">
+            <a:schemeClr val="accent1"/>
+          </a:effectRef>
+          <a:fontRef idx="minor">
+            <a:schemeClr val="lt1"/>
+          </a:fontRef>
+        </p:style>
+        <p:txBody>
+          <a:bodyPr rtlCol="0" anchor="ctr"/>
+          <a:lstStyle/>
+          <a:p>
+            <a:pPr algn="ctr"/>
+            <a:endParaRPr lang="en-US" dirty="0"/>
+          </a:p>
+        </p:txBody>
+      </p:sp>
+      <p:sp>
+        <p:nvSpPr>
+          <p:cNvPr id="51" name="TextBox 50">
+            <a:extLst>
+              <a:ext uri="{FF2B5EF4-FFF2-40B4-BE49-F238E27FC236}">
+                <a16:creationId xmlns:a16="http://schemas.microsoft.com/office/drawing/2014/main" id="{99E50DB1-5910-8747-8FCC-C2C514E1EC45}"/>
+              </a:ext>
+            </a:extLst>
+          </p:cNvPr>
+          <p:cNvSpPr txBox="1"/>
+          <p:nvPr/>
+        </p:nvSpPr>
+        <p:spPr>
           <a:xfrm>
-            <a:off x="0" y="0"/>
-            <a:ext cx="12192000" cy="457200"/>
+            <a:off x="1132003" y="5084279"/>
+            <a:ext cx="482483" cy="400110"/>
           </a:xfrm>
           <a:prstGeom prst="rect">
             <a:avLst/>
           </a:prstGeom>
           <a:noFill/>
-          <a:ln>
-            <a:noFill/>
-          </a:ln>
-          <a:effectLst/>
-          <a:extLst>
-            <a:ext uri="{909E8E84-426E-40DD-AFC4-6F175D3DCCD1}">
-              <a14:hiddenFill xmlns:a14="http://schemas.microsoft.com/office/drawing/2010/main">
-                <a:solidFill>
-                  <a:schemeClr val="accent1"/>
-                </a:solidFill>
-              </a14:hiddenFill>
-            </a:ext>
-            <a:ext uri="{91240B29-F687-4F45-9708-019B960494DF}">
-              <a14:hiddenLine xmlns:a14="http://schemas.microsoft.com/office/drawing/2010/main" w="9525">
-                <a:solidFill>
-                  <a:schemeClr val="tx1"/>
-                </a:solidFill>
-                <a:miter lim="800000"/>
-                <a:headEnd/>
-                <a:tailEnd/>
-              </a14:hiddenLine>
-            </a:ext>
-            <a:ext uri="{AF507438-7753-43E0-B8FC-AC1667EBCBE1}">
-              <a14:hiddenEffects xmlns:a14="http://schemas.microsoft.com/office/drawing/2010/main">
-                <a:effectLst>
-                  <a:outerShdw dist="35921" dir="2700000" algn="ctr" rotWithShape="0">
-                    <a:schemeClr val="bg2"/>
-                  </a:outerShdw>
-                </a:effectLst>
-              </a14:hiddenEffects>
-            </a:ext>
-          </a:extLst>
         </p:spPr>
         <p:txBody>
-          <a:bodyPr vert="horz" wrap="none" lIns="91440" tIns="45720" rIns="91440" bIns="45720" numCol="1" anchor="ctr" anchorCtr="0" compatLnSpc="1">
-            <a:prstTxWarp prst="textNoShape">
-              <a:avLst/>
-            </a:prstTxWarp>
+          <a:bodyPr wrap="square" rtlCol="0">
             <a:spAutoFit/>
           </a:bodyPr>
           <a:lstStyle/>
           <a:p>
-            <a:endParaRPr lang="en-US"/>
-          </a:p>
-        </p:txBody>
-      </p:sp>
-      <p:sp>
-        <p:nvSpPr>
-          <p:cNvPr id="36" name="Rectangle 41">
-            <a:extLst>
-              <a:ext uri="{FF2B5EF4-FFF2-40B4-BE49-F238E27FC236}">
-                <a16:creationId xmlns:a16="http://schemas.microsoft.com/office/drawing/2014/main" id="{2CC9395A-2BCE-DE48-BA66-49A94346863D}"/>
-              </a:ext>
-            </a:extLst>
-          </p:cNvPr>
-          <p:cNvSpPr>
-            <a:spLocks noChangeArrowheads="1"/>
-          </p:cNvSpPr>
+            <a:r>
+              <a:rPr lang="en-US" sz="1000" dirty="0">
+                <a:latin typeface="Times New Roman" panose="02020603050405020304" pitchFamily="18" charset="0"/>
+                <a:cs typeface="Times New Roman" panose="02020603050405020304" pitchFamily="18" charset="0"/>
+              </a:rPr>
+              <a:t>XDS Doc</a:t>
+            </a:r>
+          </a:p>
+        </p:txBody>
+      </p:sp>
+      <p:sp>
+        <p:nvSpPr>
+          <p:cNvPr id="54" name="TextBox 53">
+            <a:extLst>
+              <a:ext uri="{FF2B5EF4-FFF2-40B4-BE49-F238E27FC236}">
+                <a16:creationId xmlns:a16="http://schemas.microsoft.com/office/drawing/2014/main" id="{18BD99A0-A6F5-C044-9538-B3EFC7ACDEB9}"/>
+              </a:ext>
+            </a:extLst>
+          </p:cNvPr>
+          <p:cNvSpPr txBox="1"/>
           <p:nvPr/>
         </p:nvSpPr>
-        <p:spPr bwMode="auto">
+        <p:spPr>
           <a:xfrm>
-            <a:off x="0" y="457200"/>
-            <a:ext cx="12192000" cy="0"/>
+            <a:off x="4013088" y="5614050"/>
+            <a:ext cx="482483" cy="400110"/>
           </a:xfrm>
           <a:prstGeom prst="rect">
             <a:avLst/>
           </a:prstGeom>
           <a:noFill/>
-          <a:ln>
-            <a:noFill/>
-          </a:ln>
-          <a:effectLst/>
-          <a:extLst>
-            <a:ext uri="{909E8E84-426E-40DD-AFC4-6F175D3DCCD1}">
-              <a14:hiddenFill xmlns:a14="http://schemas.microsoft.com/office/drawing/2010/main">
-                <a:solidFill>
-                  <a:schemeClr val="accent1"/>
-                </a:solidFill>
-              </a14:hiddenFill>
-            </a:ext>
-            <a:ext uri="{91240B29-F687-4F45-9708-019B960494DF}">
-              <a14:hiddenLine xmlns:a14="http://schemas.microsoft.com/office/drawing/2010/main" w="9525">
-                <a:solidFill>
-                  <a:schemeClr val="tx1"/>
-                </a:solidFill>
-                <a:miter lim="800000"/>
-                <a:headEnd/>
-                <a:tailEnd/>
-              </a14:hiddenLine>
-            </a:ext>
-            <a:ext uri="{AF507438-7753-43E0-B8FC-AC1667EBCBE1}">
-              <a14:hiddenEffects xmlns:a14="http://schemas.microsoft.com/office/drawing/2010/main">
-                <a:effectLst>
-                  <a:outerShdw dist="35921" dir="2700000" algn="ctr" rotWithShape="0">
-                    <a:schemeClr val="bg2"/>
-                  </a:outerShdw>
-                </a:effectLst>
-              </a14:hiddenEffects>
-            </a:ext>
-          </a:extLst>
         </p:spPr>
         <p:txBody>
-          <a:bodyPr vert="horz" wrap="none" lIns="91440" tIns="45720" rIns="91440" bIns="45720" numCol="1" anchor="ctr" anchorCtr="0" compatLnSpc="1">
-            <a:prstTxWarp prst="textNoShape">
-              <a:avLst/>
-            </a:prstTxWarp>
+          <a:bodyPr wrap="square" rtlCol="0">
             <a:spAutoFit/>
           </a:bodyPr>
           <a:lstStyle/>
           <a:p>
-            <a:pPr marL="0" marR="0" lvl="0" indent="0" algn="l" defTabSz="914400" rtl="0" eaLnBrk="0" fontAlgn="base" latinLnBrk="0" hangingPunct="0">
-              <a:lnSpc>
-                <a:spcPct val="100000"/>
-              </a:lnSpc>
-              <a:spcBef>
-                <a:spcPct val="0"/>
-              </a:spcBef>
-              <a:spcAft>
-                <a:spcPct val="0"/>
-              </a:spcAft>
-              <a:buClrTx/>
-              <a:buSzTx/>
-              <a:buFontTx/>
-              <a:buNone/>
-              <a:tabLst/>
-            </a:pPr>
-            <a:br>
-              <a:rPr kumimoji="0" lang="en-US" altLang="en-US" sz="1800" b="0" i="0" u="none" strike="noStrike" cap="none" normalizeH="0" baseline="0">
-                <a:ln>
-                  <a:noFill/>
-                </a:ln>
-                <a:solidFill>
-                  <a:schemeClr val="tx1"/>
-                </a:solidFill>
-                <a:effectLst/>
-                <a:latin typeface="Arial" panose="020B0604020202020204" pitchFamily="34" charset="0"/>
-              </a:rPr>
-            </a:br>
-            <a:endParaRPr kumimoji="0" lang="en-US" altLang="en-US" sz="1800" b="0" i="0" u="none" strike="noStrike" cap="none" normalizeH="0" baseline="0">
-              <a:ln>
-                <a:noFill/>
-              </a:ln>
-              <a:solidFill>
-                <a:schemeClr val="tx1"/>
-              </a:solidFill>
-              <a:effectLst/>
-              <a:latin typeface="Arial" panose="020B0604020202020204" pitchFamily="34" charset="0"/>
-            </a:endParaRPr>
-          </a:p>
-          <a:p>
-            <a:pPr marL="0" marR="0" lvl="0" indent="0" algn="l" defTabSz="914400" rtl="0" eaLnBrk="0" fontAlgn="base" latinLnBrk="0" hangingPunct="0">
-              <a:lnSpc>
-                <a:spcPct val="100000"/>
-              </a:lnSpc>
-              <a:spcBef>
-                <a:spcPct val="0"/>
-              </a:spcBef>
-              <a:spcAft>
-                <a:spcPct val="0"/>
-              </a:spcAft>
-              <a:buClrTx/>
-              <a:buSzTx/>
-              <a:buFontTx/>
-              <a:buNone/>
-              <a:tabLst/>
-            </a:pPr>
-            <a:endParaRPr kumimoji="0" lang="en-US" altLang="en-US" sz="1800" b="0" i="0" u="none" strike="noStrike" cap="none" normalizeH="0" baseline="0">
-              <a:ln>
-                <a:noFill/>
-              </a:ln>
-              <a:solidFill>
-                <a:schemeClr val="tx1"/>
-              </a:solidFill>
-              <a:effectLst/>
-              <a:latin typeface="Arial" panose="020B0604020202020204" pitchFamily="34" charset="0"/>
-            </a:endParaRPr>
-          </a:p>
-        </p:txBody>
-      </p:sp>
-      <p:sp>
-        <p:nvSpPr>
-          <p:cNvPr id="37" name="Rectangle 42">
-            <a:extLst>
-              <a:ext uri="{FF2B5EF4-FFF2-40B4-BE49-F238E27FC236}">
-                <a16:creationId xmlns:a16="http://schemas.microsoft.com/office/drawing/2014/main" id="{B2A1EC60-47CE-D54D-98AB-EA0B196383CD}"/>
-              </a:ext>
-            </a:extLst>
-          </p:cNvPr>
-          <p:cNvSpPr>
-            <a:spLocks noChangeArrowheads="1"/>
-          </p:cNvSpPr>
-          <p:nvPr/>
-        </p:nvSpPr>
-        <p:spPr bwMode="auto">
-          <a:xfrm>
-            <a:off x="0" y="457200"/>
-            <a:ext cx="12192000" cy="0"/>
-          </a:xfrm>
-          <a:prstGeom prst="rect">
-            <a:avLst/>
-          </a:prstGeom>
-          <a:noFill/>
-          <a:ln>
-            <a:noFill/>
-          </a:ln>
-          <a:effectLst/>
-          <a:extLst>
-            <a:ext uri="{909E8E84-426E-40DD-AFC4-6F175D3DCCD1}">
-              <a14:hiddenFill xmlns:a14="http://schemas.microsoft.com/office/drawing/2010/main">
-                <a:solidFill>
-                  <a:schemeClr val="accent1"/>
-                </a:solidFill>
-              </a14:hiddenFill>
-            </a:ext>
-            <a:ext uri="{91240B29-F687-4F45-9708-019B960494DF}">
-              <a14:hiddenLine xmlns:a14="http://schemas.microsoft.com/office/drawing/2010/main" w="9525">
-                <a:solidFill>
-                  <a:schemeClr val="tx1"/>
-                </a:solidFill>
-                <a:miter lim="800000"/>
-                <a:headEnd/>
-                <a:tailEnd/>
-              </a14:hiddenLine>
-            </a:ext>
-            <a:ext uri="{AF507438-7753-43E0-B8FC-AC1667EBCBE1}">
-              <a14:hiddenEffects xmlns:a14="http://schemas.microsoft.com/office/drawing/2010/main">
-                <a:effectLst>
-                  <a:outerShdw dist="35921" dir="2700000" algn="ctr" rotWithShape="0">
-                    <a:schemeClr val="bg2"/>
-                  </a:outerShdw>
-                </a:effectLst>
-              </a14:hiddenEffects>
-            </a:ext>
-          </a:extLst>
-        </p:spPr>
-        <p:txBody>
-          <a:bodyPr vert="horz" wrap="none" lIns="91440" tIns="45720" rIns="91440" bIns="45720" numCol="1" anchor="ctr" anchorCtr="0" compatLnSpc="1">
-            <a:prstTxWarp prst="textNoShape">
-              <a:avLst/>
-            </a:prstTxWarp>
-            <a:spAutoFit/>
-          </a:bodyPr>
-          <a:lstStyle/>
-          <a:p>
-            <a:pPr marL="0" marR="0" lvl="0" indent="0" algn="l" defTabSz="914400" rtl="0" eaLnBrk="0" fontAlgn="base" latinLnBrk="0" hangingPunct="0">
-              <a:lnSpc>
-                <a:spcPct val="100000"/>
-              </a:lnSpc>
-              <a:spcBef>
-                <a:spcPct val="0"/>
-              </a:spcBef>
-              <a:spcAft>
-                <a:spcPct val="0"/>
-              </a:spcAft>
-              <a:buClrTx/>
-              <a:buSzTx/>
-              <a:buFontTx/>
-              <a:buNone/>
-              <a:tabLst/>
-            </a:pPr>
-            <a:endParaRPr kumimoji="0" lang="en-US" altLang="en-US" sz="1800" b="0" i="0" u="none" strike="noStrike" cap="none" normalizeH="0" baseline="0">
-              <a:ln>
-                <a:noFill/>
-              </a:ln>
-              <a:solidFill>
-                <a:schemeClr val="tx1"/>
-              </a:solidFill>
-              <a:effectLst/>
-              <a:latin typeface="Arial" panose="020B0604020202020204" pitchFamily="34" charset="0"/>
-            </a:endParaRPr>
-          </a:p>
-          <a:p>
-            <a:pPr marL="0" marR="0" lvl="0" indent="0" algn="l" defTabSz="914400" rtl="0" eaLnBrk="0" fontAlgn="base" latinLnBrk="0" hangingPunct="0">
-              <a:lnSpc>
-                <a:spcPct val="100000"/>
-              </a:lnSpc>
-              <a:spcBef>
-                <a:spcPct val="0"/>
-              </a:spcBef>
-              <a:spcAft>
-                <a:spcPct val="0"/>
-              </a:spcAft>
-              <a:buClrTx/>
-              <a:buSzTx/>
-              <a:buFontTx/>
-              <a:buNone/>
-              <a:tabLst/>
-            </a:pPr>
-            <a:endParaRPr kumimoji="0" lang="en-US" altLang="en-US" sz="1800" b="0" i="0" u="none" strike="noStrike" cap="none" normalizeH="0" baseline="0">
-              <a:ln>
-                <a:noFill/>
-              </a:ln>
-              <a:solidFill>
-                <a:schemeClr val="tx1"/>
-              </a:solidFill>
-              <a:effectLst/>
-              <a:latin typeface="Arial" panose="020B0604020202020204" pitchFamily="34" charset="0"/>
-            </a:endParaRPr>
-          </a:p>
-        </p:txBody>
-      </p:sp>
-      <p:sp>
-        <p:nvSpPr>
-          <p:cNvPr id="38" name="AutoShape 17">
-            <a:extLst>
-              <a:ext uri="{FF2B5EF4-FFF2-40B4-BE49-F238E27FC236}">
-                <a16:creationId xmlns:a16="http://schemas.microsoft.com/office/drawing/2014/main" id="{6E1F404D-0834-CC44-922B-0BBA7F2C6C96}"/>
-              </a:ext>
-            </a:extLst>
-          </p:cNvPr>
-          <p:cNvSpPr>
-            <a:spLocks noChangeArrowheads="1"/>
-          </p:cNvSpPr>
-          <p:nvPr/>
-        </p:nvSpPr>
-        <p:spPr bwMode="auto">
-          <a:xfrm flipV="1">
-            <a:off x="3143250" y="15030450"/>
-            <a:ext cx="2571750" cy="1714500"/>
-          </a:xfrm>
-          <a:prstGeom prst="foldedCorner">
-            <a:avLst>
-              <a:gd name="adj" fmla="val 12500"/>
-            </a:avLst>
-          </a:prstGeom>
-          <a:solidFill>
-            <a:srgbClr val="FFFFFF"/>
-          </a:solidFill>
-          <a:ln w="9525">
-            <a:solidFill>
-              <a:srgbClr val="000000"/>
-            </a:solidFill>
-            <a:round/>
-            <a:headEnd/>
-            <a:tailEnd/>
-          </a:ln>
-        </p:spPr>
-        <p:txBody>
-          <a:bodyPr vert="horz" wrap="square" lIns="91440" tIns="45720" rIns="91440" bIns="45720" numCol="1" anchor="t" anchorCtr="0" compatLnSpc="1">
-            <a:prstTxWarp prst="textNoShape">
-              <a:avLst/>
-            </a:prstTxWarp>
-          </a:bodyPr>
-          <a:lstStyle/>
-          <a:p>
-            <a:endParaRPr lang="en-US"/>
-          </a:p>
-        </p:txBody>
-      </p:sp>
-      <p:sp>
-        <p:nvSpPr>
-          <p:cNvPr id="39" name="Text Box 16">
-            <a:extLst>
-              <a:ext uri="{FF2B5EF4-FFF2-40B4-BE49-F238E27FC236}">
-                <a16:creationId xmlns:a16="http://schemas.microsoft.com/office/drawing/2014/main" id="{D415D1BA-C108-8847-951E-1F25C881CB48}"/>
-              </a:ext>
-            </a:extLst>
-          </p:cNvPr>
-          <p:cNvSpPr txBox="1">
-            <a:spLocks noChangeArrowheads="1"/>
-          </p:cNvSpPr>
-          <p:nvPr/>
-        </p:nvSpPr>
-        <p:spPr bwMode="auto">
-          <a:xfrm>
-            <a:off x="3143250" y="16744950"/>
-            <a:ext cx="2571750" cy="1714500"/>
-          </a:xfrm>
-          <a:prstGeom prst="rect">
-            <a:avLst/>
-          </a:prstGeom>
-          <a:noFill/>
-          <a:ln>
-            <a:noFill/>
-          </a:ln>
-          <a:extLst>
-            <a:ext uri="{909E8E84-426E-40DD-AFC4-6F175D3DCCD1}">
-              <a14:hiddenFill xmlns:a14="http://schemas.microsoft.com/office/drawing/2010/main">
-                <a:solidFill>
-                  <a:srgbClr val="FFFFFF"/>
-                </a:solidFill>
-              </a14:hiddenFill>
-            </a:ext>
-            <a:ext uri="{91240B29-F687-4F45-9708-019B960494DF}">
-              <a14:hiddenLine xmlns:a14="http://schemas.microsoft.com/office/drawing/2010/main" w="9525">
-                <a:solidFill>
-                  <a:srgbClr val="000000"/>
-                </a:solidFill>
-                <a:miter lim="800000"/>
-                <a:headEnd/>
-                <a:tailEnd/>
-              </a14:hiddenLine>
-            </a:ext>
-          </a:extLst>
-        </p:spPr>
-        <p:txBody>
-          <a:bodyPr vert="horz" wrap="square" lIns="91440" tIns="45720" rIns="91440" bIns="45720" numCol="1" anchor="t" anchorCtr="0" compatLnSpc="1">
-            <a:prstTxWarp prst="textNoShape">
-              <a:avLst/>
-            </a:prstTxWarp>
-          </a:bodyPr>
-          <a:lstStyle/>
-          <a:p>
-            <a:pPr marL="0" marR="0" lvl="0" indent="0" algn="l" defTabSz="914400" rtl="0" eaLnBrk="0" fontAlgn="base" latinLnBrk="0" hangingPunct="0">
-              <a:lnSpc>
-                <a:spcPct val="100000"/>
-              </a:lnSpc>
-              <a:spcBef>
-                <a:spcPct val="0"/>
-              </a:spcBef>
-              <a:spcAft>
-                <a:spcPct val="0"/>
-              </a:spcAft>
-              <a:buClrTx/>
-              <a:buSzTx/>
-              <a:buFontTx/>
-              <a:buNone/>
-              <a:tabLst/>
-            </a:pPr>
-            <a:r>
-              <a:rPr kumimoji="0" lang="fr-FR" altLang="en-US" sz="1000" b="0" i="0" u="none" strike="noStrike" cap="none" normalizeH="0" baseline="0">
-                <a:ln>
-                  <a:noFill/>
-                </a:ln>
-                <a:solidFill>
-                  <a:schemeClr val="tx1"/>
-                </a:solidFill>
-                <a:effectLst/>
-                <a:latin typeface="Arial" panose="020B0604020202020204" pitchFamily="34" charset="0"/>
-                <a:ea typeface="Times New Roman" panose="02020603050405020304" pitchFamily="18" charset="0"/>
+            <a:r>
+              <a:rPr lang="en-US" sz="1000" dirty="0">
+                <a:latin typeface="Times New Roman" panose="02020603050405020304" pitchFamily="18" charset="0"/>
+                <a:cs typeface="Times New Roman" panose="02020603050405020304" pitchFamily="18" charset="0"/>
               </a:rPr>
               <a:t>XDS Doc</a:t>
             </a:r>
-            <a:endParaRPr kumimoji="0" lang="fr-FR" altLang="en-US" sz="1000" b="0" i="0" u="none" strike="noStrike" cap="none" normalizeH="0" baseline="0">
-              <a:ln>
-                <a:noFill/>
-              </a:ln>
-              <a:solidFill>
-                <a:schemeClr val="tx1"/>
-              </a:solidFill>
-              <a:effectLst/>
-              <a:latin typeface="Arial" panose="020B0604020202020204" pitchFamily="34" charset="0"/>
-            </a:endParaRPr>
-          </a:p>
-          <a:p>
-            <a:pPr marL="0" marR="0" lvl="0" indent="0" algn="l" defTabSz="914400" rtl="0" eaLnBrk="0" fontAlgn="base" latinLnBrk="0" hangingPunct="0">
-              <a:lnSpc>
-                <a:spcPct val="100000"/>
-              </a:lnSpc>
-              <a:spcBef>
-                <a:spcPct val="0"/>
-              </a:spcBef>
-              <a:spcAft>
-                <a:spcPct val="0"/>
-              </a:spcAft>
-              <a:buClrTx/>
-              <a:buSzTx/>
-              <a:buFontTx/>
-              <a:buNone/>
-              <a:tabLst/>
-            </a:pPr>
-            <a:endParaRPr kumimoji="0" lang="fr-FR" altLang="en-US" sz="1800" b="0" i="0" u="none" strike="noStrike" cap="none" normalizeH="0" baseline="0">
-              <a:ln>
-                <a:noFill/>
-              </a:ln>
-              <a:solidFill>
-                <a:schemeClr val="tx1"/>
-              </a:solidFill>
-              <a:effectLst/>
-              <a:latin typeface="Arial" panose="020B0604020202020204" pitchFamily="34" charset="0"/>
-            </a:endParaRPr>
-          </a:p>
-        </p:txBody>
-      </p:sp>
-      <p:sp>
-        <p:nvSpPr>
-          <p:cNvPr id="40" name="AutoShape 15">
-            <a:extLst>
-              <a:ext uri="{FF2B5EF4-FFF2-40B4-BE49-F238E27FC236}">
-                <a16:creationId xmlns:a16="http://schemas.microsoft.com/office/drawing/2014/main" id="{FAA48399-252D-C346-8B3C-1B3E7BB08F7A}"/>
-              </a:ext>
-            </a:extLst>
-          </p:cNvPr>
-          <p:cNvSpPr>
-            <a:spLocks noChangeArrowheads="1"/>
-          </p:cNvSpPr>
-          <p:nvPr/>
-        </p:nvSpPr>
-        <p:spPr bwMode="auto">
-          <a:xfrm flipV="1">
-            <a:off x="3143250" y="18459450"/>
-            <a:ext cx="2571750" cy="1714500"/>
-          </a:xfrm>
-          <a:prstGeom prst="foldedCorner">
-            <a:avLst>
-              <a:gd name="adj" fmla="val 12500"/>
-            </a:avLst>
-          </a:prstGeom>
-          <a:solidFill>
-            <a:srgbClr val="FFFFFF"/>
-          </a:solidFill>
-          <a:ln w="9525">
-            <a:solidFill>
-              <a:srgbClr val="000000"/>
-            </a:solidFill>
-            <a:round/>
-            <a:headEnd/>
-            <a:tailEnd/>
-          </a:ln>
-        </p:spPr>
-        <p:txBody>
-          <a:bodyPr vert="horz" wrap="square" lIns="91440" tIns="45720" rIns="91440" bIns="45720" numCol="1" anchor="t" anchorCtr="0" compatLnSpc="1">
-            <a:prstTxWarp prst="textNoShape">
-              <a:avLst/>
-            </a:prstTxWarp>
-          </a:bodyPr>
-          <a:lstStyle/>
-          <a:p>
-            <a:endParaRPr lang="en-US"/>
-          </a:p>
-        </p:txBody>
-      </p:sp>
-      <p:sp>
-        <p:nvSpPr>
-          <p:cNvPr id="41" name="Text Box 14">
-            <a:extLst>
-              <a:ext uri="{FF2B5EF4-FFF2-40B4-BE49-F238E27FC236}">
-                <a16:creationId xmlns:a16="http://schemas.microsoft.com/office/drawing/2014/main" id="{BF79218B-A2DB-0542-BB0A-73F37BFD7FCA}"/>
-              </a:ext>
-            </a:extLst>
-          </p:cNvPr>
-          <p:cNvSpPr txBox="1">
-            <a:spLocks noChangeArrowheads="1"/>
-          </p:cNvSpPr>
-          <p:nvPr/>
-        </p:nvSpPr>
-        <p:spPr bwMode="auto">
-          <a:xfrm>
-            <a:off x="3143250" y="20173950"/>
-            <a:ext cx="2571750" cy="1714500"/>
-          </a:xfrm>
-          <a:prstGeom prst="rect">
-            <a:avLst/>
-          </a:prstGeom>
-          <a:noFill/>
-          <a:ln>
-            <a:noFill/>
-          </a:ln>
-          <a:extLst>
-            <a:ext uri="{909E8E84-426E-40DD-AFC4-6F175D3DCCD1}">
-              <a14:hiddenFill xmlns:a14="http://schemas.microsoft.com/office/drawing/2010/main">
-                <a:solidFill>
-                  <a:srgbClr val="FFFFFF"/>
-                </a:solidFill>
-              </a14:hiddenFill>
-            </a:ext>
-            <a:ext uri="{91240B29-F687-4F45-9708-019B960494DF}">
-              <a14:hiddenLine xmlns:a14="http://schemas.microsoft.com/office/drawing/2010/main" w="9525">
-                <a:solidFill>
-                  <a:srgbClr val="000000"/>
-                </a:solidFill>
-                <a:miter lim="800000"/>
-                <a:headEnd/>
-                <a:tailEnd/>
-              </a14:hiddenLine>
-            </a:ext>
-          </a:extLst>
-        </p:spPr>
-        <p:txBody>
-          <a:bodyPr vert="horz" wrap="square" lIns="91440" tIns="45720" rIns="91440" bIns="45720" numCol="1" anchor="t" anchorCtr="0" compatLnSpc="1">
-            <a:prstTxWarp prst="textNoShape">
-              <a:avLst/>
-            </a:prstTxWarp>
-          </a:bodyPr>
-          <a:lstStyle/>
-          <a:p>
-            <a:pPr marL="0" marR="0" lvl="0" indent="0" algn="l" defTabSz="914400" rtl="0" eaLnBrk="0" fontAlgn="base" latinLnBrk="0" hangingPunct="0">
-              <a:lnSpc>
-                <a:spcPct val="100000"/>
-              </a:lnSpc>
-              <a:spcBef>
-                <a:spcPct val="0"/>
-              </a:spcBef>
-              <a:spcAft>
-                <a:spcPct val="0"/>
-              </a:spcAft>
-              <a:buClrTx/>
-              <a:buSzTx/>
-              <a:buFontTx/>
-              <a:buNone/>
-              <a:tabLst/>
-            </a:pPr>
-            <a:r>
-              <a:rPr kumimoji="0" lang="fr-FR" altLang="en-US" sz="1000" b="0" i="0" u="none" strike="noStrike" cap="none" normalizeH="0" baseline="0">
-                <a:ln>
-                  <a:noFill/>
-                </a:ln>
-                <a:solidFill>
-                  <a:schemeClr val="tx1"/>
-                </a:solidFill>
-                <a:effectLst/>
-                <a:latin typeface="Arial" panose="020B0604020202020204" pitchFamily="34" charset="0"/>
-                <a:ea typeface="Times New Roman" panose="02020603050405020304" pitchFamily="18" charset="0"/>
-              </a:rPr>
-              <a:t>XDS Doc</a:t>
-            </a:r>
-            <a:endParaRPr kumimoji="0" lang="fr-FR" altLang="en-US" sz="1000" b="0" i="0" u="none" strike="noStrike" cap="none" normalizeH="0" baseline="0">
-              <a:ln>
-                <a:noFill/>
-              </a:ln>
-              <a:solidFill>
-                <a:schemeClr val="tx1"/>
-              </a:solidFill>
-              <a:effectLst/>
-              <a:latin typeface="Arial" panose="020B0604020202020204" pitchFamily="34" charset="0"/>
-            </a:endParaRPr>
-          </a:p>
-          <a:p>
-            <a:pPr marL="0" marR="0" lvl="0" indent="0" algn="l" defTabSz="914400" rtl="0" eaLnBrk="0" fontAlgn="base" latinLnBrk="0" hangingPunct="0">
-              <a:lnSpc>
-                <a:spcPct val="100000"/>
-              </a:lnSpc>
-              <a:spcBef>
-                <a:spcPct val="0"/>
-              </a:spcBef>
-              <a:spcAft>
-                <a:spcPct val="0"/>
-              </a:spcAft>
-              <a:buClrTx/>
-              <a:buSzTx/>
-              <a:buFontTx/>
-              <a:buNone/>
-              <a:tabLst/>
-            </a:pPr>
-            <a:endParaRPr kumimoji="0" lang="fr-FR" altLang="en-US" sz="1800" b="0" i="0" u="none" strike="noStrike" cap="none" normalizeH="0" baseline="0">
-              <a:ln>
-                <a:noFill/>
-              </a:ln>
-              <a:solidFill>
-                <a:schemeClr val="tx1"/>
-              </a:solidFill>
-              <a:effectLst/>
-              <a:latin typeface="Arial" panose="020B0604020202020204" pitchFamily="34" charset="0"/>
-            </a:endParaRPr>
-          </a:p>
-        </p:txBody>
-      </p:sp>
-      <p:sp>
-        <p:nvSpPr>
-          <p:cNvPr id="42" name="Rectangle 45">
-            <a:extLst>
-              <a:ext uri="{FF2B5EF4-FFF2-40B4-BE49-F238E27FC236}">
-                <a16:creationId xmlns:a16="http://schemas.microsoft.com/office/drawing/2014/main" id="{45DBEA3F-DDA1-B94F-A488-1BC868BECE35}"/>
-              </a:ext>
-            </a:extLst>
-          </p:cNvPr>
-          <p:cNvSpPr>
-            <a:spLocks noChangeArrowheads="1"/>
-          </p:cNvSpPr>
-          <p:nvPr/>
-        </p:nvSpPr>
-        <p:spPr bwMode="auto">
-          <a:xfrm>
-            <a:off x="0" y="7315200"/>
-            <a:ext cx="12192000" cy="0"/>
-          </a:xfrm>
-          <a:prstGeom prst="rect">
-            <a:avLst/>
-          </a:prstGeom>
-          <a:noFill/>
-          <a:ln>
-            <a:noFill/>
-          </a:ln>
-          <a:effectLst/>
-          <a:extLst>
-            <a:ext uri="{909E8E84-426E-40DD-AFC4-6F175D3DCCD1}">
-              <a14:hiddenFill xmlns:a14="http://schemas.microsoft.com/office/drawing/2010/main">
-                <a:solidFill>
-                  <a:schemeClr val="accent1"/>
-                </a:solidFill>
-              </a14:hiddenFill>
-            </a:ext>
-            <a:ext uri="{91240B29-F687-4F45-9708-019B960494DF}">
-              <a14:hiddenLine xmlns:a14="http://schemas.microsoft.com/office/drawing/2010/main" w="9525">
-                <a:solidFill>
-                  <a:schemeClr val="tx1"/>
-                </a:solidFill>
-                <a:miter lim="800000"/>
-                <a:headEnd/>
-                <a:tailEnd/>
-              </a14:hiddenLine>
-            </a:ext>
-            <a:ext uri="{AF507438-7753-43E0-B8FC-AC1667EBCBE1}">
-              <a14:hiddenEffects xmlns:a14="http://schemas.microsoft.com/office/drawing/2010/main">
-                <a:effectLst>
-                  <a:outerShdw dist="35921" dir="2700000" algn="ctr" rotWithShape="0">
-                    <a:schemeClr val="bg2"/>
-                  </a:outerShdw>
-                </a:effectLst>
-              </a14:hiddenEffects>
-            </a:ext>
-          </a:extLst>
-        </p:spPr>
-        <p:txBody>
-          <a:bodyPr vert="horz" wrap="none" lIns="91440" tIns="45720" rIns="91440" bIns="45720" numCol="1" anchor="ctr" anchorCtr="0" compatLnSpc="1">
-            <a:prstTxWarp prst="textNoShape">
-              <a:avLst/>
-            </a:prstTxWarp>
-            <a:spAutoFit/>
-          </a:bodyPr>
-          <a:lstStyle/>
-          <a:p>
-            <a:pPr marL="0" marR="0" lvl="0" indent="0" algn="l" defTabSz="914400" rtl="0" eaLnBrk="0" fontAlgn="base" latinLnBrk="0" hangingPunct="0">
-              <a:lnSpc>
-                <a:spcPct val="100000"/>
-              </a:lnSpc>
-              <a:spcBef>
-                <a:spcPct val="0"/>
-              </a:spcBef>
-              <a:spcAft>
-                <a:spcPct val="0"/>
-              </a:spcAft>
-              <a:buClrTx/>
-              <a:buSzTx/>
-              <a:buFontTx/>
-              <a:buNone/>
-              <a:tabLst/>
-            </a:pPr>
-            <a:r>
-              <a:rPr kumimoji="0" lang="en-US" altLang="en-US" sz="1000" b="0" i="0" u="none" strike="noStrike" cap="none" normalizeH="0" baseline="0">
-                <a:ln>
-                  <a:noFill/>
-                </a:ln>
-                <a:solidFill>
-                  <a:schemeClr val="tx1"/>
-                </a:solidFill>
-                <a:effectLst/>
-                <a:latin typeface="Arial" panose="020B0604020202020204" pitchFamily="34" charset="0"/>
-              </a:rPr>
-              <a:t> </a:t>
-            </a:r>
-            <a:endParaRPr kumimoji="0" lang="en-US" altLang="en-US" sz="1800" b="0" i="0" u="none" strike="noStrike" cap="none" normalizeH="0" baseline="0">
-              <a:ln>
-                <a:noFill/>
-              </a:ln>
-              <a:solidFill>
-                <a:schemeClr val="tx1"/>
-              </a:solidFill>
-              <a:effectLst/>
-              <a:latin typeface="Arial" panose="020B0604020202020204" pitchFamily="34" charset="0"/>
-            </a:endParaRPr>
-          </a:p>
-        </p:txBody>
-      </p:sp>
-      <p:sp>
-        <p:nvSpPr>
-          <p:cNvPr id="43" name="AutoShape 11">
-            <a:extLst>
-              <a:ext uri="{FF2B5EF4-FFF2-40B4-BE49-F238E27FC236}">
-                <a16:creationId xmlns:a16="http://schemas.microsoft.com/office/drawing/2014/main" id="{9CC4CAEF-2724-484D-9527-2DA80E264423}"/>
-              </a:ext>
-            </a:extLst>
-          </p:cNvPr>
-          <p:cNvSpPr>
-            <a:spLocks noChangeArrowheads="1"/>
-          </p:cNvSpPr>
-          <p:nvPr/>
-        </p:nvSpPr>
-        <p:spPr bwMode="auto">
-          <a:xfrm>
-            <a:off x="9144000" y="21031200"/>
-            <a:ext cx="2571750" cy="1714500"/>
-          </a:xfrm>
-          <a:prstGeom prst="rightArrowCallout">
-            <a:avLst>
-              <a:gd name="adj1" fmla="val 25000"/>
-              <a:gd name="adj2" fmla="val 25000"/>
-              <a:gd name="adj3" fmla="val 25000"/>
-              <a:gd name="adj4" fmla="val 66667"/>
-            </a:avLst>
-          </a:prstGeom>
-          <a:solidFill>
-            <a:srgbClr val="FFFFFF"/>
-          </a:solidFill>
-          <a:ln w="9525">
-            <a:solidFill>
-              <a:srgbClr val="000000"/>
-            </a:solidFill>
-            <a:miter lim="800000"/>
-            <a:headEnd/>
-            <a:tailEnd/>
-          </a:ln>
-        </p:spPr>
-        <p:txBody>
-          <a:bodyPr vert="horz" wrap="square" lIns="91440" tIns="45720" rIns="91440" bIns="45720" numCol="1" anchor="t" anchorCtr="0" compatLnSpc="1">
-            <a:prstTxWarp prst="textNoShape">
-              <a:avLst/>
-            </a:prstTxWarp>
-          </a:bodyPr>
-          <a:lstStyle/>
-          <a:p>
-            <a:endParaRPr lang="en-US"/>
-          </a:p>
-        </p:txBody>
-      </p:sp>
-      <p:sp>
-        <p:nvSpPr>
-          <p:cNvPr id="44" name="Text Box 10">
-            <a:extLst>
-              <a:ext uri="{FF2B5EF4-FFF2-40B4-BE49-F238E27FC236}">
-                <a16:creationId xmlns:a16="http://schemas.microsoft.com/office/drawing/2014/main" id="{A4F0040E-CD64-8A46-ABC3-9FD09583BB5D}"/>
-              </a:ext>
-            </a:extLst>
-          </p:cNvPr>
-          <p:cNvSpPr txBox="1">
-            <a:spLocks noChangeArrowheads="1"/>
-          </p:cNvSpPr>
-          <p:nvPr/>
-        </p:nvSpPr>
-        <p:spPr bwMode="auto">
-          <a:xfrm>
-            <a:off x="9144000" y="23317200"/>
-            <a:ext cx="2571750" cy="1428750"/>
-          </a:xfrm>
-          <a:prstGeom prst="rect">
-            <a:avLst/>
-          </a:prstGeom>
-          <a:noFill/>
-          <a:ln>
-            <a:noFill/>
-          </a:ln>
-          <a:extLst>
-            <a:ext uri="{909E8E84-426E-40DD-AFC4-6F175D3DCCD1}">
-              <a14:hiddenFill xmlns:a14="http://schemas.microsoft.com/office/drawing/2010/main">
-                <a:solidFill>
-                  <a:srgbClr val="FFFFFF"/>
-                </a:solidFill>
-              </a14:hiddenFill>
-            </a:ext>
-            <a:ext uri="{91240B29-F687-4F45-9708-019B960494DF}">
-              <a14:hiddenLine xmlns:a14="http://schemas.microsoft.com/office/drawing/2010/main" w="9525">
-                <a:solidFill>
-                  <a:srgbClr val="000000"/>
-                </a:solidFill>
-                <a:miter lim="800000"/>
-                <a:headEnd/>
-                <a:tailEnd/>
-              </a14:hiddenLine>
-            </a:ext>
-          </a:extLst>
-        </p:spPr>
-        <p:txBody>
-          <a:bodyPr vert="horz" wrap="square" lIns="91440" tIns="45720" rIns="91440" bIns="45720" numCol="1" anchor="t" anchorCtr="0" compatLnSpc="1">
-            <a:prstTxWarp prst="textNoShape">
-              <a:avLst/>
-            </a:prstTxWarp>
-          </a:bodyPr>
-          <a:lstStyle/>
-          <a:p>
-            <a:pPr marL="0" marR="0" lvl="0" indent="0" algn="l" defTabSz="914400" rtl="0" eaLnBrk="0" fontAlgn="base" latinLnBrk="0" hangingPunct="0">
-              <a:lnSpc>
-                <a:spcPct val="100000"/>
-              </a:lnSpc>
-              <a:spcBef>
-                <a:spcPct val="0"/>
-              </a:spcBef>
-              <a:spcAft>
-                <a:spcPct val="0"/>
-              </a:spcAft>
-              <a:buClrTx/>
-              <a:buSzTx/>
-              <a:buFontTx/>
-              <a:buNone/>
-              <a:tabLst/>
-            </a:pPr>
-            <a:r>
-              <a:rPr kumimoji="0" lang="en-US" altLang="en-US" sz="1000" b="0" i="0" u="none" strike="noStrike" cap="none" normalizeH="0" baseline="0">
-                <a:ln>
-                  <a:noFill/>
-                </a:ln>
-                <a:solidFill>
-                  <a:schemeClr val="tx1"/>
-                </a:solidFill>
-                <a:effectLst/>
-                <a:latin typeface="Arial" panose="020B0604020202020204" pitchFamily="34" charset="0"/>
-                <a:ea typeface="Times New Roman" panose="02020603050405020304" pitchFamily="18" charset="0"/>
-              </a:rPr>
-              <a:t>XDS Doc Entry</a:t>
-            </a:r>
-            <a:endParaRPr kumimoji="0" lang="en-US" altLang="en-US" sz="1000" b="0" i="0" u="none" strike="noStrike" cap="none" normalizeH="0" baseline="0">
-              <a:ln>
-                <a:noFill/>
-              </a:ln>
-              <a:solidFill>
-                <a:schemeClr val="tx1"/>
-              </a:solidFill>
-              <a:effectLst/>
-              <a:latin typeface="Arial" panose="020B0604020202020204" pitchFamily="34" charset="0"/>
-            </a:endParaRPr>
-          </a:p>
-          <a:p>
-            <a:pPr marL="0" marR="0" lvl="0" indent="0" algn="l" defTabSz="914400" rtl="0" eaLnBrk="0" fontAlgn="base" latinLnBrk="0" hangingPunct="0">
-              <a:lnSpc>
-                <a:spcPct val="100000"/>
-              </a:lnSpc>
-              <a:spcBef>
-                <a:spcPct val="0"/>
-              </a:spcBef>
-              <a:spcAft>
-                <a:spcPct val="0"/>
-              </a:spcAft>
-              <a:buClrTx/>
-              <a:buSzTx/>
-              <a:buFontTx/>
-              <a:buNone/>
-              <a:tabLst/>
-            </a:pPr>
-            <a:r>
-              <a:rPr kumimoji="0" lang="de-DE" altLang="en-US" sz="1000" b="1" i="0" u="none" strike="noStrike" cap="none" normalizeH="0" baseline="0">
-                <a:ln>
-                  <a:noFill/>
-                </a:ln>
-                <a:solidFill>
-                  <a:schemeClr val="tx1"/>
-                </a:solidFill>
-                <a:effectLst/>
-                <a:latin typeface="Arial" panose="020B0604020202020204" pitchFamily="34" charset="0"/>
-                <a:ea typeface="Times New Roman" panose="02020603050405020304" pitchFamily="18" charset="0"/>
-              </a:rPr>
-              <a:t>Dm=XAD</a:t>
-            </a:r>
-            <a:endParaRPr kumimoji="0" lang="de-DE" altLang="en-US" sz="1000" b="0" i="0" u="none" strike="noStrike" cap="none" normalizeH="0" baseline="0">
-              <a:ln>
-                <a:noFill/>
-              </a:ln>
-              <a:solidFill>
-                <a:schemeClr val="tx1"/>
-              </a:solidFill>
-              <a:effectLst/>
-              <a:latin typeface="Arial" panose="020B0604020202020204" pitchFamily="34" charset="0"/>
-            </a:endParaRPr>
-          </a:p>
-          <a:p>
-            <a:pPr marL="0" marR="0" lvl="0" indent="0" algn="l" defTabSz="914400" rtl="0" eaLnBrk="0" fontAlgn="base" latinLnBrk="0" hangingPunct="0">
-              <a:lnSpc>
-                <a:spcPct val="100000"/>
-              </a:lnSpc>
-              <a:spcBef>
-                <a:spcPct val="0"/>
-              </a:spcBef>
-              <a:spcAft>
-                <a:spcPct val="0"/>
-              </a:spcAft>
-              <a:buClrTx/>
-              <a:buSzTx/>
-              <a:buFontTx/>
-              <a:buNone/>
-              <a:tabLst/>
-            </a:pPr>
-            <a:r>
-              <a:rPr kumimoji="0" lang="de-DE" altLang="en-US" sz="1000" b="1" i="0" u="none" strike="noStrike" cap="none" normalizeH="0" baseline="0">
-                <a:ln>
-                  <a:noFill/>
-                </a:ln>
-                <a:solidFill>
-                  <a:schemeClr val="tx1"/>
-                </a:solidFill>
-                <a:effectLst/>
-                <a:latin typeface="Arial" panose="020B0604020202020204" pitchFamily="34" charset="0"/>
-                <a:ea typeface="Times New Roman" panose="02020603050405020304" pitchFamily="18" charset="0"/>
-              </a:rPr>
-              <a:t>Pid=Px</a:t>
-            </a:r>
-            <a:endParaRPr kumimoji="0" lang="de-DE" altLang="en-US" sz="1800" b="0" i="0" u="none" strike="noStrike" cap="none" normalizeH="0" baseline="0">
-              <a:ln>
-                <a:noFill/>
-              </a:ln>
-              <a:solidFill>
-                <a:schemeClr val="tx1"/>
-              </a:solidFill>
-              <a:effectLst/>
-              <a:latin typeface="Arial" panose="020B0604020202020204" pitchFamily="34" charset="0"/>
-            </a:endParaRPr>
-          </a:p>
-        </p:txBody>
-      </p:sp>
-      <p:sp>
-        <p:nvSpPr>
-          <p:cNvPr id="45" name="AutoShape 9">
-            <a:extLst>
-              <a:ext uri="{FF2B5EF4-FFF2-40B4-BE49-F238E27FC236}">
-                <a16:creationId xmlns:a16="http://schemas.microsoft.com/office/drawing/2014/main" id="{5F970ADD-F7D2-A846-A1BF-F2A52020579F}"/>
-              </a:ext>
-            </a:extLst>
-          </p:cNvPr>
-          <p:cNvSpPr>
-            <a:spLocks noChangeArrowheads="1"/>
-          </p:cNvSpPr>
-          <p:nvPr/>
-        </p:nvSpPr>
-        <p:spPr bwMode="auto">
-          <a:xfrm>
-            <a:off x="9144000" y="24174450"/>
-            <a:ext cx="2571750" cy="1714500"/>
-          </a:xfrm>
-          <a:prstGeom prst="rightArrowCallout">
-            <a:avLst>
-              <a:gd name="adj1" fmla="val 25000"/>
-              <a:gd name="adj2" fmla="val 25000"/>
-              <a:gd name="adj3" fmla="val 25000"/>
-              <a:gd name="adj4" fmla="val 66667"/>
-            </a:avLst>
-          </a:prstGeom>
-          <a:solidFill>
-            <a:srgbClr val="FFFFFF"/>
-          </a:solidFill>
-          <a:ln w="9525">
-            <a:solidFill>
-              <a:srgbClr val="000000"/>
-            </a:solidFill>
-            <a:miter lim="800000"/>
-            <a:headEnd/>
-            <a:tailEnd/>
-          </a:ln>
-        </p:spPr>
-        <p:txBody>
-          <a:bodyPr vert="horz" wrap="square" lIns="91440" tIns="45720" rIns="91440" bIns="45720" numCol="1" anchor="t" anchorCtr="0" compatLnSpc="1">
-            <a:prstTxWarp prst="textNoShape">
-              <a:avLst/>
-            </a:prstTxWarp>
-          </a:bodyPr>
-          <a:lstStyle/>
-          <a:p>
-            <a:endParaRPr lang="en-US"/>
-          </a:p>
-        </p:txBody>
-      </p:sp>
-      <p:sp>
-        <p:nvSpPr>
-          <p:cNvPr id="46" name="Text Box 8">
-            <a:extLst>
-              <a:ext uri="{FF2B5EF4-FFF2-40B4-BE49-F238E27FC236}">
-                <a16:creationId xmlns:a16="http://schemas.microsoft.com/office/drawing/2014/main" id="{7E822A0F-679F-6048-85F8-B781DDA671CA}"/>
-              </a:ext>
-            </a:extLst>
-          </p:cNvPr>
-          <p:cNvSpPr txBox="1">
-            <a:spLocks noChangeArrowheads="1"/>
-          </p:cNvSpPr>
-          <p:nvPr/>
-        </p:nvSpPr>
-        <p:spPr bwMode="auto">
-          <a:xfrm>
-            <a:off x="9144000" y="26460450"/>
-            <a:ext cx="2571750" cy="1428750"/>
-          </a:xfrm>
-          <a:prstGeom prst="rect">
-            <a:avLst/>
-          </a:prstGeom>
-          <a:noFill/>
-          <a:ln>
-            <a:noFill/>
-          </a:ln>
-          <a:extLst>
-            <a:ext uri="{909E8E84-426E-40DD-AFC4-6F175D3DCCD1}">
-              <a14:hiddenFill xmlns:a14="http://schemas.microsoft.com/office/drawing/2010/main">
-                <a:solidFill>
-                  <a:srgbClr val="FFFFFF"/>
-                </a:solidFill>
-              </a14:hiddenFill>
-            </a:ext>
-            <a:ext uri="{91240B29-F687-4F45-9708-019B960494DF}">
-              <a14:hiddenLine xmlns:a14="http://schemas.microsoft.com/office/drawing/2010/main" w="9525">
-                <a:solidFill>
-                  <a:srgbClr val="000000"/>
-                </a:solidFill>
-                <a:miter lim="800000"/>
-                <a:headEnd/>
-                <a:tailEnd/>
-              </a14:hiddenLine>
-            </a:ext>
-          </a:extLst>
-        </p:spPr>
-        <p:txBody>
-          <a:bodyPr vert="horz" wrap="square" lIns="91440" tIns="45720" rIns="91440" bIns="45720" numCol="1" anchor="t" anchorCtr="0" compatLnSpc="1">
-            <a:prstTxWarp prst="textNoShape">
-              <a:avLst/>
-            </a:prstTxWarp>
-          </a:bodyPr>
-          <a:lstStyle/>
-          <a:p>
-            <a:pPr marL="0" marR="0" lvl="0" indent="0" algn="l" defTabSz="914400" rtl="0" eaLnBrk="0" fontAlgn="base" latinLnBrk="0" hangingPunct="0">
-              <a:lnSpc>
-                <a:spcPct val="100000"/>
-              </a:lnSpc>
-              <a:spcBef>
-                <a:spcPct val="0"/>
-              </a:spcBef>
-              <a:spcAft>
-                <a:spcPct val="0"/>
-              </a:spcAft>
-              <a:buClrTx/>
-              <a:buSzTx/>
-              <a:buFontTx/>
-              <a:buNone/>
-              <a:tabLst/>
-            </a:pPr>
-            <a:r>
-              <a:rPr kumimoji="0" lang="it-IT" altLang="en-US" sz="1000" b="0" i="0" u="none" strike="noStrike" cap="none" normalizeH="0" baseline="0">
-                <a:ln>
-                  <a:noFill/>
-                </a:ln>
-                <a:solidFill>
-                  <a:schemeClr val="tx1"/>
-                </a:solidFill>
-                <a:effectLst/>
-                <a:latin typeface="Arial" panose="020B0604020202020204" pitchFamily="34" charset="0"/>
-                <a:ea typeface="Times New Roman" panose="02020603050405020304" pitchFamily="18" charset="0"/>
-              </a:rPr>
-              <a:t>XDS Doc Entry</a:t>
-            </a:r>
-            <a:endParaRPr kumimoji="0" lang="it-IT" altLang="en-US" sz="1000" b="0" i="0" u="none" strike="noStrike" cap="none" normalizeH="0" baseline="0">
-              <a:ln>
-                <a:noFill/>
-              </a:ln>
-              <a:solidFill>
-                <a:schemeClr val="tx1"/>
-              </a:solidFill>
-              <a:effectLst/>
-              <a:latin typeface="Arial" panose="020B0604020202020204" pitchFamily="34" charset="0"/>
-            </a:endParaRPr>
-          </a:p>
-          <a:p>
-            <a:pPr marL="0" marR="0" lvl="0" indent="0" algn="l" defTabSz="914400" rtl="0" eaLnBrk="0" fontAlgn="base" latinLnBrk="0" hangingPunct="0">
-              <a:lnSpc>
-                <a:spcPct val="100000"/>
-              </a:lnSpc>
-              <a:spcBef>
-                <a:spcPct val="0"/>
-              </a:spcBef>
-              <a:spcAft>
-                <a:spcPct val="0"/>
-              </a:spcAft>
-              <a:buClrTx/>
-              <a:buSzTx/>
-              <a:buFontTx/>
-              <a:buNone/>
-              <a:tabLst/>
-            </a:pPr>
-            <a:r>
-              <a:rPr kumimoji="0" lang="de-DE" altLang="en-US" sz="1000" b="1" i="0" u="none" strike="noStrike" cap="none" normalizeH="0" baseline="0">
-                <a:ln>
-                  <a:noFill/>
-                </a:ln>
-                <a:solidFill>
-                  <a:schemeClr val="tx1"/>
-                </a:solidFill>
-                <a:effectLst/>
-                <a:latin typeface="Arial" panose="020B0604020202020204" pitchFamily="34" charset="0"/>
-                <a:ea typeface="Times New Roman" panose="02020603050405020304" pitchFamily="18" charset="0"/>
-              </a:rPr>
-              <a:t>Dm=XAD</a:t>
-            </a:r>
-            <a:endParaRPr kumimoji="0" lang="de-DE" altLang="en-US" sz="1000" b="0" i="0" u="none" strike="noStrike" cap="none" normalizeH="0" baseline="0">
-              <a:ln>
-                <a:noFill/>
-              </a:ln>
-              <a:solidFill>
-                <a:schemeClr val="tx1"/>
-              </a:solidFill>
-              <a:effectLst/>
-              <a:latin typeface="Arial" panose="020B0604020202020204" pitchFamily="34" charset="0"/>
-            </a:endParaRPr>
-          </a:p>
-          <a:p>
-            <a:pPr marL="0" marR="0" lvl="0" indent="0" algn="l" defTabSz="914400" rtl="0" eaLnBrk="0" fontAlgn="base" latinLnBrk="0" hangingPunct="0">
-              <a:lnSpc>
-                <a:spcPct val="100000"/>
-              </a:lnSpc>
-              <a:spcBef>
-                <a:spcPct val="0"/>
-              </a:spcBef>
-              <a:spcAft>
-                <a:spcPct val="0"/>
-              </a:spcAft>
-              <a:buClrTx/>
-              <a:buSzTx/>
-              <a:buFontTx/>
-              <a:buNone/>
-              <a:tabLst/>
-            </a:pPr>
-            <a:r>
-              <a:rPr kumimoji="0" lang="de-DE" altLang="en-US" sz="1000" b="1" i="0" u="none" strike="noStrike" cap="none" normalizeH="0" baseline="0">
-                <a:ln>
-                  <a:noFill/>
-                </a:ln>
-                <a:solidFill>
-                  <a:schemeClr val="tx1"/>
-                </a:solidFill>
-                <a:effectLst/>
-                <a:latin typeface="Arial" panose="020B0604020202020204" pitchFamily="34" charset="0"/>
-                <a:ea typeface="Times New Roman" panose="02020603050405020304" pitchFamily="18" charset="0"/>
-              </a:rPr>
-              <a:t>Pid=Px</a:t>
-            </a:r>
-            <a:endParaRPr kumimoji="0" lang="de-DE" altLang="en-US" sz="1800" b="0" i="0" u="none" strike="noStrike" cap="none" normalizeH="0" baseline="0">
-              <a:ln>
-                <a:noFill/>
-              </a:ln>
-              <a:solidFill>
-                <a:schemeClr val="tx1"/>
-              </a:solidFill>
-              <a:effectLst/>
-              <a:latin typeface="Arial" panose="020B0604020202020204" pitchFamily="34" charset="0"/>
-            </a:endParaRPr>
           </a:p>
         </p:txBody>
       </p:sp>
